--- a/CodeFest-Management-Tool.pptx
+++ b/CodeFest-Management-Tool.pptx
@@ -6019,7 +6019,19 @@
             </a:r>
             <a:r>
               <a:rPr lang="en-US" dirty="0"/>
-              <a:t>ecturer I want to Update/remove budget for a competition so that I can update/remove budget competition details and users can view the change(All the budgets allocated for events/workshops under that specific competition will be Updated/removed).</a:t>
+              <a:t>ecturer I want to </a:t>
+            </a:r>
+            <a:r>
+              <a:rPr lang="en-US" dirty="0">
+                <a:solidFill>
+                  <a:srgbClr val="FF0000"/>
+                </a:solidFill>
+              </a:rPr>
+              <a:t>u</a:t>
+            </a:r>
+            <a:r>
+              <a:rPr lang="en-US" dirty="0"/>
+              <a:t>pdate /remove budget for a competition so that I can update/remove budget competition details and users can view the change(All the budgets allocated for events/workshops under that specific competition will be Updated/removed).</a:t>
             </a:r>
           </a:p>
           <a:p>
@@ -6037,7 +6049,19 @@
             </a:r>
             <a:r>
               <a:rPr lang="en-US" dirty="0"/>
-              <a:t>ecturer I want to Update/remove budget for a event so that I can update/remove event budget details and users can view the change.</a:t>
+              <a:t>ecturer I want to </a:t>
+            </a:r>
+            <a:r>
+              <a:rPr lang="en-US" dirty="0">
+                <a:solidFill>
+                  <a:srgbClr val="FF0000"/>
+                </a:solidFill>
+              </a:rPr>
+              <a:t>u</a:t>
+            </a:r>
+            <a:r>
+              <a:rPr lang="en-US" dirty="0"/>
+              <a:t>pdate /remove budget for a event so that I can update/remove event budget details and users can view the change.</a:t>
             </a:r>
           </a:p>
           <a:p>
@@ -6055,7 +6079,19 @@
             </a:r>
             <a:r>
               <a:rPr lang="en-US" dirty="0"/>
-              <a:t>ecturer I want to Update/remove budget for a workshop so that I can update/remove workshop budget details.</a:t>
+              <a:t>ecturer I want to </a:t>
+            </a:r>
+            <a:r>
+              <a:rPr lang="en-US" dirty="0">
+                <a:solidFill>
+                  <a:srgbClr val="FF0000"/>
+                </a:solidFill>
+              </a:rPr>
+              <a:t>u</a:t>
+            </a:r>
+            <a:r>
+              <a:rPr lang="en-US" dirty="0"/>
+              <a:t>pdate /remove budget for a workshop so that I can update/remove workshop budget details.</a:t>
             </a:r>
           </a:p>
           <a:p>
@@ -6290,7 +6326,19 @@
             </a:r>
             <a:r>
               <a:rPr lang="en-US" dirty="0"/>
-              <a:t>ecturer I want to Update/delete results of an event so that I can update/remove event result details and users can view the change.</a:t>
+              <a:t>ecturer I want to </a:t>
+            </a:r>
+            <a:r>
+              <a:rPr lang="en-US" dirty="0">
+                <a:solidFill>
+                  <a:srgbClr val="FF0000"/>
+                </a:solidFill>
+              </a:rPr>
+              <a:t>u</a:t>
+            </a:r>
+            <a:r>
+              <a:rPr lang="en-US" dirty="0"/>
+              <a:t>pdate/delete results of an event so that I can update/remove event result details and users can view the change.</a:t>
             </a:r>
           </a:p>
           <a:p>
@@ -6831,7 +6879,19 @@
             </a:r>
             <a:r>
               <a:rPr lang="en-US" dirty="0"/>
-              <a:t>ommittee </a:t>
+              <a:t>ommittee(</a:t>
+            </a:r>
+            <a:r>
+              <a:rPr lang="en-US" dirty="0">
+                <a:solidFill>
+                  <a:srgbClr val="FF0000"/>
+                </a:solidFill>
+              </a:rPr>
+              <a:t>not sure</a:t>
+            </a:r>
+            <a:r>
+              <a:rPr lang="en-US" dirty="0"/>
+              <a:t>) </a:t>
             </a:r>
             <a:r>
               <a:rPr lang="en-US" dirty="0">
@@ -8171,7 +8231,19 @@
             </a:r>
             <a:r>
               <a:rPr lang="en-US" dirty="0"/>
-              <a:t>ecturer I want to Update/delete a workshop so that I can update/remove workshop details and users can view the change.</a:t>
+              <a:t>ecturer I want to </a:t>
+            </a:r>
+            <a:r>
+              <a:rPr lang="en-US" dirty="0">
+                <a:solidFill>
+                  <a:srgbClr val="FF0000"/>
+                </a:solidFill>
+              </a:rPr>
+              <a:t>u</a:t>
+            </a:r>
+            <a:r>
+              <a:rPr lang="en-US" dirty="0"/>
+              <a:t>pdate/delete a workshop so that I can update/remove workshop details and users can view the change.</a:t>
             </a:r>
           </a:p>
           <a:p>

--- a/CodeFest-Management-Tool.pptx
+++ b/CodeFest-Management-Tool.pptx
@@ -6342,6 +6342,19 @@
             </a:r>
           </a:p>
           <a:p>
+            <a:r>
+              <a:rPr lang="en-US" dirty="0">
+                <a:solidFill>
+                  <a:srgbClr val="FF0000"/>
+                </a:solidFill>
+              </a:rPr>
+              <a:t>As a lecturer I want to generate reports of the full summary of events so that I can save/print the event summary.</a:t>
+            </a:r>
+          </a:p>
+          <a:p>
+            <a:pPr marL="0" indent="0">
+              <a:buNone/>
+            </a:pPr>
             <a:endParaRPr lang="en-US" dirty="0"/>
           </a:p>
           <a:p>

--- a/CodeFest-Management-Tool.pptx
+++ b/CodeFest-Management-Tool.pptx
@@ -6031,7 +6031,7 @@
             </a:r>
             <a:r>
               <a:rPr lang="en-US" dirty="0"/>
-              <a:t>pdate /remove budget for a competition so that I can update/remove budget competition details and users can view the change(All the budgets allocated for events/workshops under that specific competition will be Updated/removed).</a:t>
+              <a:t>pdate/remove budget for a competition so that I can update/remove budget competition details and users can view the change(All the budgets allocated for events/workshops under that specific competition will be Updated/removed).</a:t>
             </a:r>
           </a:p>
           <a:p>
@@ -6061,7 +6061,7 @@
             </a:r>
             <a:r>
               <a:rPr lang="en-US" dirty="0"/>
-              <a:t>pdate /remove budget for a event so that I can update/remove event budget details and users can view the change.</a:t>
+              <a:t>pdate/remove budget for a event so that I can update/remove event budget details and users can view the change.</a:t>
             </a:r>
           </a:p>
           <a:p>
@@ -6091,7 +6091,7 @@
             </a:r>
             <a:r>
               <a:rPr lang="en-US" dirty="0"/>
-              <a:t>pdate /remove budget for a workshop so that I can update/remove workshop budget details.</a:t>
+              <a:t>pdate/remove budget for a workshop so that I can update/remove workshop budget details.</a:t>
             </a:r>
           </a:p>
           <a:p>
@@ -7016,14 +7016,14 @@
             <p:ph idx="1"/>
             <p:extLst>
               <p:ext uri="{D42A27DB-BD31-4B8C-83A1-F6EECF244321}">
-                <p14:modId xmlns:p14="http://schemas.microsoft.com/office/powerpoint/2010/main" val="3125223476"/>
+                <p14:modId xmlns:p14="http://schemas.microsoft.com/office/powerpoint/2010/main" val="2696407195"/>
               </p:ext>
             </p:extLst>
           </p:nvPr>
         </p:nvGraphicFramePr>
         <p:xfrm>
-          <a:off x="685800" y="2193925"/>
-          <a:ext cx="10820400" cy="1854200"/>
+          <a:off x="186431" y="2193925"/>
+          <a:ext cx="11860567" cy="1854200"/>
         </p:xfrm>
         <a:graphic>
           <a:graphicData uri="http://schemas.openxmlformats.org/drawingml/2006/table">
@@ -7032,28 +7032,28 @@
                 <a:tableStyleId>{5C22544A-7EE6-4342-B048-85BDC9FD1C3A}</a:tableStyleId>
               </a:tblPr>
               <a:tblGrid>
-                <a:gridCol w="698863">
+                <a:gridCol w="766045">
                   <a:extLst>
                     <a:ext uri="{9D8B030D-6E8A-4147-A177-3AD203B41FA5}">
                       <a16:colId xmlns:a16="http://schemas.microsoft.com/office/drawing/2014/main" val="1001569536"/>
                     </a:ext>
                   </a:extLst>
                 </a:gridCol>
-                <a:gridCol w="3918857">
+                <a:gridCol w="4295578">
                   <a:extLst>
                     <a:ext uri="{9D8B030D-6E8A-4147-A177-3AD203B41FA5}">
                       <a16:colId xmlns:a16="http://schemas.microsoft.com/office/drawing/2014/main" val="2493687057"/>
                     </a:ext>
                   </a:extLst>
                 </a:gridCol>
-                <a:gridCol w="2586446">
+                <a:gridCol w="2835081">
                   <a:extLst>
                     <a:ext uri="{9D8B030D-6E8A-4147-A177-3AD203B41FA5}">
                       <a16:colId xmlns:a16="http://schemas.microsoft.com/office/drawing/2014/main" val="3125525774"/>
                     </a:ext>
                   </a:extLst>
                 </a:gridCol>
-                <a:gridCol w="3616234">
+                <a:gridCol w="3963863">
                   <a:extLst>
                     <a:ext uri="{9D8B030D-6E8A-4147-A177-3AD203B41FA5}">
                       <a16:colId xmlns:a16="http://schemas.microsoft.com/office/drawing/2014/main" val="3841638223"/>
@@ -7250,7 +7250,14 @@
                     <a:bodyPr/>
                     <a:lstStyle/>
                     <a:p>
-                      <a:endParaRPr lang="en-US"/>
+                      <a:r>
+                        <a:rPr lang="en-US" dirty="0" err="1"/>
+                        <a:t>Liyanage</a:t>
+                      </a:r>
+                      <a:r>
+                        <a:rPr lang="en-US" dirty="0"/>
+                        <a:t> S.C.G</a:t>
+                      </a:r>
                     </a:p>
                   </a:txBody>
                   <a:tcPr/>
@@ -7260,7 +7267,10 @@
                     <a:bodyPr/>
                     <a:lstStyle/>
                     <a:p>
-                      <a:endParaRPr lang="en-US"/>
+                      <a:r>
+                        <a:rPr lang="en-US" dirty="0"/>
+                        <a:t>IT14098888</a:t>
+                      </a:r>
                     </a:p>
                   </a:txBody>
                   <a:tcPr/>
@@ -7270,7 +7280,10 @@
                     <a:bodyPr/>
                     <a:lstStyle/>
                     <a:p>
-                      <a:endParaRPr lang="en-US"/>
+                      <a:r>
+                        <a:rPr lang="en-US" dirty="0"/>
+                        <a:t>chamaraliyanage604@gmail.com</a:t>
+                      </a:r>
                     </a:p>
                   </a:txBody>
                   <a:tcPr/>
@@ -7495,15 +7508,7 @@
           <a:p>
             <a:r>
               <a:rPr lang="en-US" dirty="0"/>
-              <a:t>Participants </a:t>
-            </a:r>
-            <a:r>
-              <a:rPr lang="en-US" dirty="0" err="1"/>
-              <a:t>doen’t</a:t>
-            </a:r>
-            <a:r>
-              <a:rPr lang="en-US" dirty="0"/>
-              <a:t> have to login to register to an event or to see the competition details.</a:t>
+              <a:t>Participants doesn’t have to login to register to an event or to see the competition details.</a:t>
             </a:r>
           </a:p>
           <a:p>

--- a/CodeFest-Management-Tool.pptx
+++ b/CodeFest-Management-Tool.pptx
@@ -6061,7 +6061,19 @@
             </a:r>
             <a:r>
               <a:rPr lang="en-US" dirty="0"/>
-              <a:t>pdate/remove budget for a event so that I can update/remove event budget details and users can view the change.</a:t>
+              <a:t>pdate/remove budget for a</a:t>
+            </a:r>
+            <a:r>
+              <a:rPr lang="en-US" dirty="0">
+                <a:solidFill>
+                  <a:srgbClr val="FF0000"/>
+                </a:solidFill>
+              </a:rPr>
+              <a:t>n</a:t>
+            </a:r>
+            <a:r>
+              <a:rPr lang="en-US" dirty="0"/>
+              <a:t> event so that I can update/remove event budget details and users can view the change.</a:t>
             </a:r>
           </a:p>
           <a:p>
@@ -6260,7 +6272,19 @@
             </a:r>
             <a:r>
               <a:rPr lang="en-US" dirty="0"/>
-              <a:t>ecturer I want to send emails to committee members/Lecturers/participants regarding events/new appointments/new changes so that I can inform users.</a:t>
+              <a:t>ecturer I want to send emails to committee members/</a:t>
+            </a:r>
+            <a:r>
+              <a:rPr lang="en-US" dirty="0">
+                <a:solidFill>
+                  <a:srgbClr val="FF0000"/>
+                </a:solidFill>
+              </a:rPr>
+              <a:t>l</a:t>
+            </a:r>
+            <a:r>
+              <a:rPr lang="en-US" dirty="0"/>
+              <a:t>ecturers/participants regarding events/new appointments/new changes so that I can inform users.</a:t>
             </a:r>
           </a:p>
           <a:p>
@@ -7825,7 +7849,19 @@
             </a:r>
             <a:r>
               <a:rPr lang="en-US" dirty="0"/>
-              <a:t>users( Lecturers, Committee Members) so that I can search/view user details.</a:t>
+              <a:t>users( Lecturers, Committee Members) so that I can </a:t>
+            </a:r>
+            <a:r>
+              <a:rPr lang="en-US" strike="sngStrike" dirty="0">
+                <a:solidFill>
+                  <a:srgbClr val="FF0000"/>
+                </a:solidFill>
+              </a:rPr>
+              <a:t>search/view  </a:t>
+            </a:r>
+            <a:r>
+              <a:rPr lang="en-US" dirty="0"/>
+              <a:t>know user details.</a:t>
             </a:r>
           </a:p>
           <a:p>
@@ -7856,7 +7892,19 @@
             </a:r>
             <a:r>
               <a:rPr lang="en-US" dirty="0"/>
-              <a:t>user details and access.</a:t>
+              <a:t>user details </a:t>
+            </a:r>
+            <a:r>
+              <a:rPr lang="en-US" strike="sngStrike" dirty="0">
+                <a:solidFill>
+                  <a:srgbClr val="FF0000"/>
+                </a:solidFill>
+              </a:rPr>
+              <a:t>and access</a:t>
+            </a:r>
+            <a:r>
+              <a:rPr lang="en-US" dirty="0"/>
+              <a:t>.</a:t>
             </a:r>
           </a:p>
           <a:p>
@@ -8055,7 +8103,19 @@
             </a:r>
             <a:r>
               <a:rPr lang="en-US" dirty="0"/>
-              <a:t>ecturer I want to search an event so that I can view details about specific event.</a:t>
+              <a:t>ecturer I want to search an event so that I can </a:t>
+            </a:r>
+            <a:r>
+              <a:rPr lang="en-US" dirty="0">
+                <a:solidFill>
+                  <a:srgbClr val="FF0000"/>
+                </a:solidFill>
+              </a:rPr>
+              <a:t>know</a:t>
+            </a:r>
+            <a:r>
+              <a:rPr lang="en-US" dirty="0"/>
+              <a:t> details about specific event.</a:t>
             </a:r>
           </a:p>
           <a:p>

--- a/CodeFest-Management-Tool.pptx
+++ b/CodeFest-Management-Tool.pptx
@@ -6031,7 +6031,15 @@
             </a:r>
             <a:r>
               <a:rPr lang="en-US" dirty="0"/>
-              <a:t>pdate/remove budget for a competition so that I can update/remove budget competition details and users can view the change(All the budgets allocated for events/workshops under that specific competition will be Updated/removed).</a:t>
+              <a:t>pdate/remove budget for a competition so that I can update/remove budget competition details and users can view the change(All the budgets allocated for events/workshops under that specific competition will </a:t>
+            </a:r>
+            <a:r>
+              <a:rPr lang="en-US"/>
+              <a:t>be updated</a:t>
+            </a:r>
+            <a:r>
+              <a:rPr lang="en-US" dirty="0"/>
+              <a:t>/removed).</a:t>
             </a:r>
           </a:p>
           <a:p>
@@ -6924,10 +6932,18 @@
                   <a:srgbClr val="FF0000"/>
                 </a:solidFill>
               </a:rPr>
-              <a:t>not sure</a:t>
-            </a:r>
-            <a:r>
-              <a:rPr lang="en-US" dirty="0"/>
+              <a:t>not sure as one </a:t>
+            </a:r>
+            <a:r>
+              <a:rPr lang="en-US">
+                <a:solidFill>
+                  <a:srgbClr val="FF0000"/>
+                </a:solidFill>
+              </a:rPr>
+              <a:t>user story</a:t>
+            </a:r>
+            <a:r>
+              <a:rPr lang="en-US"/>
               <a:t>) </a:t>
             </a:r>
             <a:r>

--- a/CodeFest-Management-Tool.pptx
+++ b/CodeFest-Management-Tool.pptx
@@ -6716,7 +6716,9 @@
           </a:xfrm>
         </p:spPr>
         <p:txBody>
-          <a:bodyPr/>
+          <a:bodyPr>
+            <a:normAutofit fontScale="92500" lnSpcReduction="10000"/>
+          </a:bodyPr>
           <a:lstStyle/>
           <a:p>
             <a:r>
@@ -6858,7 +6860,30 @@
                   <a:srgbClr val="FF0000"/>
                 </a:solidFill>
               </a:rPr>
-              <a:t>As a participant, I want to access to their site through the enabled link at the competition time so that I can register the team and submit the presentation to their site.</a:t>
+              <a:t>As a participant, I want to access to their new proposing site through the enabled link at the competition time so that I can register the team and submit the presentation </a:t>
+            </a:r>
+            <a:r>
+              <a:rPr lang="en-US">
+                <a:solidFill>
+                  <a:srgbClr val="FF0000"/>
+                </a:solidFill>
+              </a:rPr>
+              <a:t>to it.</a:t>
+            </a:r>
+            <a:endParaRPr lang="en-US" dirty="0">
+              <a:solidFill>
+                <a:srgbClr val="FF0000"/>
+              </a:solidFill>
+            </a:endParaRPr>
+          </a:p>
+          <a:p>
+            <a:r>
+              <a:rPr lang="en-US" dirty="0">
+                <a:solidFill>
+                  <a:srgbClr val="FF0000"/>
+                </a:solidFill>
+              </a:rPr>
+              <a:t>As a participant, I want to view the remaining time for the competition when I need so that I can manage the workload accordingly. </a:t>
             </a:r>
           </a:p>
           <a:p>
@@ -6932,18 +6957,10 @@
                   <a:srgbClr val="FF0000"/>
                 </a:solidFill>
               </a:rPr>
-              <a:t>not sure as one </a:t>
-            </a:r>
-            <a:r>
-              <a:rPr lang="en-US">
-                <a:solidFill>
-                  <a:srgbClr val="FF0000"/>
-                </a:solidFill>
-              </a:rPr>
-              <a:t>user story</a:t>
-            </a:r>
-            <a:r>
-              <a:rPr lang="en-US"/>
+              <a:t>not sure as one user story</a:t>
+            </a:r>
+            <a:r>
+              <a:rPr lang="en-US" dirty="0"/>
               <a:t>) </a:t>
             </a:r>
             <a:r>

--- a/CodeFest-Management-Tool.pptx
+++ b/CodeFest-Management-Tool.pptx
@@ -18,6 +18,7 @@
     <p:sldId id="266" r:id="rId12"/>
     <p:sldId id="267" r:id="rId13"/>
     <p:sldId id="268" r:id="rId14"/>
+    <p:sldId id="269" r:id="rId15"/>
   </p:sldIdLst>
   <p:sldSz cx="12192000" cy="6858000"/>
   <p:notesSz cx="6858000" cy="9144000"/>
@@ -6717,7 +6718,7 @@
         </p:spPr>
         <p:txBody>
           <a:bodyPr>
-            <a:normAutofit fontScale="92500" lnSpcReduction="10000"/>
+            <a:normAutofit/>
           </a:bodyPr>
           <a:lstStyle/>
           <a:p>
@@ -6860,21 +6861,8 @@
                   <a:srgbClr val="FF0000"/>
                 </a:solidFill>
               </a:rPr>
-              <a:t>As a participant, I want to access to their new proposing site through the enabled link at the competition time so that I can register the team and submit the presentation </a:t>
-            </a:r>
-            <a:r>
-              <a:rPr lang="en-US">
-                <a:solidFill>
-                  <a:srgbClr val="FF0000"/>
-                </a:solidFill>
-              </a:rPr>
-              <a:t>to it.</a:t>
-            </a:r>
-            <a:endParaRPr lang="en-US" dirty="0">
-              <a:solidFill>
-                <a:srgbClr val="FF0000"/>
-              </a:solidFill>
-            </a:endParaRPr>
+              <a:t>As a participant, I want to access to their new proposing site through the enabled link at the competition time so that I can register the team and submit the presentation to it.</a:t>
+            </a:r>
           </a:p>
           <a:p>
             <a:r>
@@ -6885,111 +6873,6 @@
               </a:rPr>
               <a:t>As a participant, I want to view the remaining time for the competition when I need so that I can manage the workload accordingly. </a:t>
             </a:r>
-          </a:p>
-          <a:p>
-            <a:r>
-              <a:rPr lang="en-US" dirty="0"/>
-              <a:t>As a</a:t>
-            </a:r>
-            <a:r>
-              <a:rPr lang="en-US" dirty="0">
-                <a:solidFill>
-                  <a:srgbClr val="FF0000"/>
-                </a:solidFill>
-              </a:rPr>
-              <a:t>n</a:t>
-            </a:r>
-            <a:r>
-              <a:rPr lang="en-US" dirty="0"/>
-              <a:t> </a:t>
-            </a:r>
-            <a:r>
-              <a:rPr lang="en-US" dirty="0">
-                <a:solidFill>
-                  <a:srgbClr val="FF0000"/>
-                </a:solidFill>
-              </a:rPr>
-              <a:t>a</a:t>
-            </a:r>
-            <a:r>
-              <a:rPr lang="en-US" dirty="0"/>
-              <a:t>dministrator/</a:t>
-            </a:r>
-            <a:r>
-              <a:rPr lang="en-US" dirty="0">
-                <a:solidFill>
-                  <a:srgbClr val="FF0000"/>
-                </a:solidFill>
-              </a:rPr>
-              <a:t>l</a:t>
-            </a:r>
-            <a:r>
-              <a:rPr lang="en-US" dirty="0"/>
-              <a:t>ecturer/</a:t>
-            </a:r>
-            <a:r>
-              <a:rPr lang="en-US" dirty="0">
-                <a:solidFill>
-                  <a:srgbClr val="FF0000"/>
-                </a:solidFill>
-              </a:rPr>
-              <a:t>o</a:t>
-            </a:r>
-            <a:r>
-              <a:rPr lang="en-US" dirty="0"/>
-              <a:t>rganizing </a:t>
-            </a:r>
-            <a:r>
-              <a:rPr lang="en-US" dirty="0">
-                <a:solidFill>
-                  <a:srgbClr val="FF0000"/>
-                </a:solidFill>
-              </a:rPr>
-              <a:t>c</a:t>
-            </a:r>
-            <a:r>
-              <a:rPr lang="en-US" dirty="0"/>
-              <a:t>ommittee(</a:t>
-            </a:r>
-            <a:r>
-              <a:rPr lang="en-US" dirty="0">
-                <a:solidFill>
-                  <a:srgbClr val="FF0000"/>
-                </a:solidFill>
-              </a:rPr>
-              <a:t>not sure as one user story</a:t>
-            </a:r>
-            <a:r>
-              <a:rPr lang="en-US" dirty="0"/>
-              <a:t>) </a:t>
-            </a:r>
-            <a:r>
-              <a:rPr lang="en-US" dirty="0">
-                <a:solidFill>
-                  <a:srgbClr val="FF0000"/>
-                </a:solidFill>
-              </a:rPr>
-              <a:t>m</a:t>
-            </a:r>
-            <a:r>
-              <a:rPr lang="en-US" dirty="0"/>
-              <a:t>ember I want to login to the system so that I </a:t>
-            </a:r>
-            <a:r>
-              <a:rPr lang="en-US" dirty="0">
-                <a:solidFill>
-                  <a:srgbClr val="FF0000"/>
-                </a:solidFill>
-              </a:rPr>
-              <a:t>can</a:t>
-            </a:r>
-            <a:r>
-              <a:rPr lang="en-US" dirty="0"/>
-              <a:t> access system.</a:t>
-            </a:r>
-          </a:p>
-          <a:p>
-            <a:endParaRPr lang="en-US" dirty="0"/>
           </a:p>
           <a:p>
             <a:endParaRPr lang="en-US" dirty="0"/>
@@ -7015,6 +6898,214 @@
     <p:extLst>
       <p:ext uri="{BB962C8B-B14F-4D97-AF65-F5344CB8AC3E}">
         <p14:creationId xmlns:p14="http://schemas.microsoft.com/office/powerpoint/2010/main" val="962816074"/>
+      </p:ext>
+    </p:extLst>
+  </p:cSld>
+  <p:clrMapOvr>
+    <a:masterClrMapping/>
+  </p:clrMapOvr>
+</p:sld>
+</file>
+
+<file path=ppt/slides/slide14.xml><?xml version="1.0" encoding="utf-8"?>
+<p:sld xmlns:a="http://schemas.openxmlformats.org/drawingml/2006/main" xmlns:r="http://schemas.openxmlformats.org/officeDocument/2006/relationships" xmlns:p="http://schemas.openxmlformats.org/presentationml/2006/main">
+  <p:cSld>
+    <p:spTree>
+      <p:nvGrpSpPr>
+        <p:cNvPr id="1" name=""/>
+        <p:cNvGrpSpPr/>
+        <p:nvPr/>
+      </p:nvGrpSpPr>
+      <p:grpSpPr>
+        <a:xfrm>
+          <a:off x="0" y="0"/>
+          <a:ext cx="0" cy="0"/>
+          <a:chOff x="0" y="0"/>
+          <a:chExt cx="0" cy="0"/>
+        </a:xfrm>
+      </p:grpSpPr>
+      <p:sp>
+        <p:nvSpPr>
+          <p:cNvPr id="2" name="Title 1">
+            <a:extLst>
+              <a:ext uri="{FF2B5EF4-FFF2-40B4-BE49-F238E27FC236}">
+                <a16:creationId xmlns:a16="http://schemas.microsoft.com/office/drawing/2014/main" id="{897CDA79-29E4-4E31-9AEC-1745B6E95B9A}"/>
+              </a:ext>
+            </a:extLst>
+          </p:cNvPr>
+          <p:cNvSpPr>
+            <a:spLocks noGrp="1"/>
+          </p:cNvSpPr>
+          <p:nvPr>
+            <p:ph type="title"/>
+          </p:nvPr>
+        </p:nvSpPr>
+        <p:spPr/>
+        <p:txBody>
+          <a:bodyPr/>
+          <a:lstStyle/>
+          <a:p>
+            <a:endParaRPr lang="en-US"/>
+          </a:p>
+        </p:txBody>
+      </p:sp>
+      <p:sp>
+        <p:nvSpPr>
+          <p:cNvPr id="3" name="Content Placeholder 2">
+            <a:extLst>
+              <a:ext uri="{FF2B5EF4-FFF2-40B4-BE49-F238E27FC236}">
+                <a16:creationId xmlns:a16="http://schemas.microsoft.com/office/drawing/2014/main" id="{D8BA0487-D67B-4B94-925E-C654BBB7980C}"/>
+              </a:ext>
+            </a:extLst>
+          </p:cNvPr>
+          <p:cNvSpPr>
+            <a:spLocks noGrp="1"/>
+          </p:cNvSpPr>
+          <p:nvPr>
+            <p:ph idx="1"/>
+          </p:nvPr>
+        </p:nvSpPr>
+        <p:spPr/>
+        <p:txBody>
+          <a:bodyPr/>
+          <a:lstStyle/>
+          <a:p>
+            <a:r>
+              <a:rPr lang="en-US" dirty="0">
+                <a:solidFill>
+                  <a:srgbClr val="FF0000"/>
+                </a:solidFill>
+              </a:rPr>
+              <a:t>As a participant, I can search and get the allocated group id/allocated registration table so that I can view/copy the group id.</a:t>
+            </a:r>
+          </a:p>
+          <a:p>
+            <a:r>
+              <a:rPr lang="en-US" dirty="0">
+                <a:solidFill>
+                  <a:srgbClr val="FF0000"/>
+                </a:solidFill>
+              </a:rPr>
+              <a:t>As a participant, I can search and get the allocated registration table number/competition venue and time/presentation venue and time/panel number so that I can easily and quickly view important details when I need.</a:t>
+            </a:r>
+          </a:p>
+          <a:p>
+            <a:r>
+              <a:rPr lang="en-US" dirty="0"/>
+              <a:t>As a</a:t>
+            </a:r>
+            <a:r>
+              <a:rPr lang="en-US" dirty="0">
+                <a:solidFill>
+                  <a:srgbClr val="FF0000"/>
+                </a:solidFill>
+              </a:rPr>
+              <a:t>n</a:t>
+            </a:r>
+            <a:r>
+              <a:rPr lang="en-US" dirty="0"/>
+              <a:t> </a:t>
+            </a:r>
+            <a:r>
+              <a:rPr lang="en-US" dirty="0">
+                <a:solidFill>
+                  <a:srgbClr val="FF0000"/>
+                </a:solidFill>
+              </a:rPr>
+              <a:t>a</a:t>
+            </a:r>
+            <a:r>
+              <a:rPr lang="en-US" dirty="0"/>
+              <a:t>dministrator/</a:t>
+            </a:r>
+            <a:r>
+              <a:rPr lang="en-US" dirty="0">
+                <a:solidFill>
+                  <a:srgbClr val="FF0000"/>
+                </a:solidFill>
+              </a:rPr>
+              <a:t>l</a:t>
+            </a:r>
+            <a:r>
+              <a:rPr lang="en-US" dirty="0"/>
+              <a:t>ecturer/</a:t>
+            </a:r>
+            <a:r>
+              <a:rPr lang="en-US" dirty="0">
+                <a:solidFill>
+                  <a:srgbClr val="FF0000"/>
+                </a:solidFill>
+              </a:rPr>
+              <a:t>o</a:t>
+            </a:r>
+            <a:r>
+              <a:rPr lang="en-US" dirty="0"/>
+              <a:t>rganizing </a:t>
+            </a:r>
+            <a:r>
+              <a:rPr lang="en-US" dirty="0">
+                <a:solidFill>
+                  <a:srgbClr val="FF0000"/>
+                </a:solidFill>
+              </a:rPr>
+              <a:t>c</a:t>
+            </a:r>
+            <a:r>
+              <a:rPr lang="en-US" dirty="0"/>
+              <a:t>ommittee(</a:t>
+            </a:r>
+            <a:r>
+              <a:rPr lang="en-US" dirty="0">
+                <a:solidFill>
+                  <a:srgbClr val="FF0000"/>
+                </a:solidFill>
+              </a:rPr>
+              <a:t>not sure as one user story</a:t>
+            </a:r>
+            <a:r>
+              <a:rPr lang="en-US" dirty="0"/>
+              <a:t>) </a:t>
+            </a:r>
+            <a:r>
+              <a:rPr lang="en-US" dirty="0">
+                <a:solidFill>
+                  <a:srgbClr val="FF0000"/>
+                </a:solidFill>
+              </a:rPr>
+              <a:t>m</a:t>
+            </a:r>
+            <a:r>
+              <a:rPr lang="en-US" dirty="0"/>
+              <a:t>ember I want to login to the system so that I </a:t>
+            </a:r>
+            <a:r>
+              <a:rPr lang="en-US" dirty="0">
+                <a:solidFill>
+                  <a:srgbClr val="FF0000"/>
+                </a:solidFill>
+              </a:rPr>
+              <a:t>can</a:t>
+            </a:r>
+            <a:r>
+              <a:rPr lang="en-US" dirty="0"/>
+              <a:t> access system.</a:t>
+            </a:r>
+          </a:p>
+          <a:p>
+            <a:endParaRPr lang="en-US" dirty="0"/>
+          </a:p>
+          <a:p>
+            <a:pPr marL="0" indent="0">
+              <a:buNone/>
+            </a:pPr>
+            <a:endParaRPr lang="en-US" dirty="0"/>
+          </a:p>
+        </p:txBody>
+      </p:sp>
+    </p:spTree>
+    <p:extLst>
+      <p:ext uri="{BB962C8B-B14F-4D97-AF65-F5344CB8AC3E}">
+        <p14:creationId xmlns:p14="http://schemas.microsoft.com/office/powerpoint/2010/main" val="1480284153"/>
       </p:ext>
     </p:extLst>
   </p:cSld>

--- a/CodeFest-Management-Tool.pptx
+++ b/CodeFest-Management-Tool.pptx
@@ -6264,7 +6264,9 @@
           </a:xfrm>
         </p:spPr>
         <p:txBody>
-          <a:bodyPr/>
+          <a:bodyPr>
+            <a:normAutofit lnSpcReduction="10000"/>
+          </a:bodyPr>
           <a:lstStyle/>
           <a:p>
             <a:r>
@@ -6383,6 +6385,75 @@
               </a:rPr>
               <a:t>As a lecturer I want to generate reports of the full summary of events so that I can save/print the event summary.</a:t>
             </a:r>
+          </a:p>
+          <a:p>
+            <a:r>
+              <a:rPr lang="en-US" dirty="0">
+                <a:solidFill>
+                  <a:srgbClr val="FF0000"/>
+                </a:solidFill>
+              </a:rPr>
+              <a:t>As a lecturer I want to register the judges for the competitions so that I can know and get a count of judges.</a:t>
+            </a:r>
+          </a:p>
+          <a:p>
+            <a:r>
+              <a:rPr lang="en-US" dirty="0">
+                <a:solidFill>
+                  <a:srgbClr val="FF0000"/>
+                </a:solidFill>
+              </a:rPr>
+              <a:t>As </a:t>
+            </a:r>
+            <a:r>
+              <a:rPr lang="en-US">
+                <a:solidFill>
+                  <a:srgbClr val="FF0000"/>
+                </a:solidFill>
+              </a:rPr>
+              <a:t>a lecturer </a:t>
+            </a:r>
+            <a:r>
+              <a:rPr lang="en-US" dirty="0">
+                <a:solidFill>
+                  <a:srgbClr val="FF0000"/>
+                </a:solidFill>
+              </a:rPr>
+              <a:t>I want to assign judges for teams so that I can reserve </a:t>
+            </a:r>
+            <a:r>
+              <a:rPr lang="en-US">
+                <a:solidFill>
+                  <a:srgbClr val="FF0000"/>
+                </a:solidFill>
+              </a:rPr>
+              <a:t>presentation schedules </a:t>
+            </a:r>
+            <a:r>
+              <a:rPr lang="en-US" dirty="0">
+                <a:solidFill>
+                  <a:srgbClr val="FF0000"/>
+                </a:solidFill>
+              </a:rPr>
+              <a:t>effectively.</a:t>
+            </a:r>
+          </a:p>
+          <a:p>
+            <a:pPr marL="0" indent="0">
+              <a:buNone/>
+            </a:pPr>
+            <a:endParaRPr lang="en-US" dirty="0">
+              <a:solidFill>
+                <a:srgbClr val="FF0000"/>
+              </a:solidFill>
+            </a:endParaRPr>
+          </a:p>
+          <a:p>
+            <a:endParaRPr lang="en-US" dirty="0">
+              <a:solidFill>
+                <a:srgbClr val="FF0000"/>
+              </a:solidFill>
+            </a:endParaRPr>
           </a:p>
           <a:p>
             <a:pPr marL="0" indent="0">

--- a/CodeFest-Management-Tool.pptx
+++ b/CodeFest-Management-Tool.pptx
@@ -6536,8 +6536,20 @@
         </p:nvSpPr>
         <p:spPr/>
         <p:txBody>
-          <a:bodyPr/>
-          <a:lstStyle/>
+          <a:bodyPr>
+            <a:normAutofit/>
+          </a:bodyPr>
+          <a:lstStyle/>
+          <a:p>
+            <a:r>
+              <a:rPr lang="en-US" dirty="0">
+                <a:solidFill>
+                  <a:srgbClr val="FF0000"/>
+                </a:solidFill>
+              </a:rPr>
+              <a:t>As a lecturer, I want to add a link to view the details about sponsorship company so that I can introduce the sponsorship company to all.</a:t>
+            </a:r>
+          </a:p>
           <a:p>
             <a:r>
               <a:rPr lang="en-US" dirty="0"/>

--- a/CodeFest-Management-Tool.pptx
+++ b/CodeFest-Management-Tool.pptx
@@ -6537,7 +6537,7 @@
         <p:spPr/>
         <p:txBody>
           <a:bodyPr>
-            <a:normAutofit/>
+            <a:normAutofit fontScale="92500" lnSpcReduction="10000"/>
           </a:bodyPr>
           <a:lstStyle/>
           <a:p>
@@ -6717,6 +6717,35 @@
               <a:rPr lang="en-US" dirty="0"/>
               <a:t>ember I want to view results for the event which I am allocated so that I can view event result details.</a:t>
             </a:r>
+          </a:p>
+          <a:p>
+            <a:r>
+              <a:rPr lang="en-US" dirty="0">
+                <a:solidFill>
+                  <a:srgbClr val="FF0000"/>
+                </a:solidFill>
+              </a:rPr>
+              <a:t>As an organizing committee member I </a:t>
+            </a:r>
+            <a:r>
+              <a:rPr lang="en-US">
+                <a:solidFill>
+                  <a:srgbClr val="FF0000"/>
+                </a:solidFill>
+              </a:rPr>
+              <a:t>can upload </a:t>
+            </a:r>
+            <a:r>
+              <a:rPr lang="en-US" dirty="0">
+                <a:solidFill>
+                  <a:srgbClr val="FF0000"/>
+                </a:solidFill>
+              </a:rPr>
+              <a:t>videos of locations where participants have to move inside SLIIT so that I can allow them to know the exact locations.</a:t>
+            </a:r>
+          </a:p>
+          <a:p>
+            <a:endParaRPr lang="en-US" dirty="0"/>
           </a:p>
           <a:p>
             <a:endParaRPr lang="en-US" dirty="0"/>

--- a/CodeFest-Management-Tool.pptx
+++ b/CodeFest-Management-Tool.pptx
@@ -6537,7 +6537,7 @@
         <p:spPr/>
         <p:txBody>
           <a:bodyPr>
-            <a:normAutofit fontScale="92500" lnSpcReduction="10000"/>
+            <a:normAutofit/>
           </a:bodyPr>
           <a:lstStyle/>
           <a:p>
@@ -6716,32 +6716,6 @@
             <a:r>
               <a:rPr lang="en-US" dirty="0"/>
               <a:t>ember I want to view results for the event which I am allocated so that I can view event result details.</a:t>
-            </a:r>
-          </a:p>
-          <a:p>
-            <a:r>
-              <a:rPr lang="en-US" dirty="0">
-                <a:solidFill>
-                  <a:srgbClr val="FF0000"/>
-                </a:solidFill>
-              </a:rPr>
-              <a:t>As an organizing committee member I </a:t>
-            </a:r>
-            <a:r>
-              <a:rPr lang="en-US">
-                <a:solidFill>
-                  <a:srgbClr val="FF0000"/>
-                </a:solidFill>
-              </a:rPr>
-              <a:t>can upload </a:t>
-            </a:r>
-            <a:r>
-              <a:rPr lang="en-US" dirty="0">
-                <a:solidFill>
-                  <a:srgbClr val="FF0000"/>
-                </a:solidFill>
-              </a:rPr>
-              <a:t>videos of locations where participants have to move inside SLIIT so that I can allow them to know the exact locations.</a:t>
             </a:r>
           </a:p>
           <a:p>
@@ -7164,19 +7138,7 @@
             </a:r>
             <a:r>
               <a:rPr lang="en-US" dirty="0"/>
-              <a:t>ommittee(</a:t>
-            </a:r>
-            <a:r>
-              <a:rPr lang="en-US" dirty="0">
-                <a:solidFill>
-                  <a:srgbClr val="FF0000"/>
-                </a:solidFill>
-              </a:rPr>
-              <a:t>not sure as one user story</a:t>
-            </a:r>
-            <a:r>
-              <a:rPr lang="en-US" dirty="0"/>
-              <a:t>) </a:t>
+              <a:t>ommittee </a:t>
             </a:r>
             <a:r>
               <a:rPr lang="en-US" dirty="0">
@@ -7202,6 +7164,38 @@
               <a:rPr lang="en-US" dirty="0"/>
               <a:t> access system.</a:t>
             </a:r>
+          </a:p>
+          <a:p>
+            <a:r>
+              <a:rPr lang="en-US" dirty="0">
+                <a:solidFill>
+                  <a:srgbClr val="FF0000"/>
+                </a:solidFill>
+              </a:rPr>
+              <a:t>As an administrator/lecturer/organizing committee member I want to reset the username/password for the system</a:t>
+            </a:r>
+            <a:r>
+              <a:rPr lang="en-US" b="1" dirty="0">
+                <a:solidFill>
+                  <a:srgbClr val="FF0000"/>
+                </a:solidFill>
+              </a:rPr>
+              <a:t> </a:t>
+            </a:r>
+            <a:r>
+              <a:rPr lang="en-US" dirty="0">
+                <a:solidFill>
+                  <a:srgbClr val="FF0000"/>
+                </a:solidFill>
+              </a:rPr>
+              <a:t>so that I can access system when I forget the username or password.</a:t>
+            </a:r>
+          </a:p>
+          <a:p>
+            <a:pPr marL="0" indent="0">
+              <a:buNone/>
+            </a:pPr>
+            <a:endParaRPr lang="en-US" dirty="0"/>
           </a:p>
           <a:p>
             <a:endParaRPr lang="en-US" dirty="0"/>

--- a/CodeFest-Management-Tool.pptx
+++ b/CodeFest-Management-Tool.pptx
@@ -6547,7 +6547,7 @@
                   <a:srgbClr val="FF0000"/>
                 </a:solidFill>
               </a:rPr>
-              <a:t>As a lecturer, I want to add a link to view the details about sponsorship company so that I can introduce the sponsorship company to all.</a:t>
+              <a:t>As a lecturer I want to add a link to view the details about sponsorship company so that I can introduce the sponsorship company to all.</a:t>
             </a:r>
           </a:p>
           <a:p>
@@ -6947,7 +6947,7 @@
                   <a:srgbClr val="FF0000"/>
                 </a:solidFill>
               </a:rPr>
-              <a:t>As a participant, I want to access to their new proposing site through the enabled link at the competition time so that I can register the team and submit the presentation to it.</a:t>
+              <a:t>As a participant I want to access to their new proposing site through the enabled link at the competition time so that I can register the team and submit the presentation to it.</a:t>
             </a:r>
           </a:p>
           <a:p>
@@ -6957,7 +6957,7 @@
                   <a:srgbClr val="FF0000"/>
                 </a:solidFill>
               </a:rPr>
-              <a:t>As a participant, I want to view the remaining time for the competition when I need so that I can manage the workload accordingly. </a:t>
+              <a:t>As a participant I want to view the remaining time for the competition when I need so that I can manage the workload accordingly. </a:t>
             </a:r>
           </a:p>
           <a:p>
@@ -7056,13 +7056,14 @@
           <a:bodyPr/>
           <a:lstStyle/>
           <a:p>
+            <a:pPr lvl="0"/>
             <a:r>
               <a:rPr lang="en-US" dirty="0">
                 <a:solidFill>
                   <a:srgbClr val="FF0000"/>
                 </a:solidFill>
               </a:rPr>
-              <a:t>As a participant, I can search and get the allocated group id/allocated registration table so that I can view/copy the group id.</a:t>
+              <a:t>As a participant I can search/copy the allocated group id/registration table so that I can view/copy the group id/registration table.</a:t>
             </a:r>
           </a:p>
           <a:p>
@@ -7072,7 +7073,7 @@
                   <a:srgbClr val="FF0000"/>
                 </a:solidFill>
               </a:rPr>
-              <a:t>As a participant, I can search and get the allocated registration table number/competition venue and time/presentation venue and time/panel number so that I can easily and quickly view important details when I need.</a:t>
+              <a:t>As a participant I can search and get the allocated registration table number/competition venue and time/presentation venue and time/panel number so that I can easily and quickly view important details when I need.</a:t>
             </a:r>
           </a:p>
           <a:p>

--- a/CodeFest-Management-Tool.pptx
+++ b/CodeFest-Management-Tool.pptx
@@ -8298,7 +8298,15 @@
             </a:r>
             <a:r>
               <a:rPr lang="en-US" dirty="0"/>
-              <a:t>pdate/delete a main competition so that I can update/remove competition details and users can view the change(All the events under that specific competition will be Updated/removed).</a:t>
+              <a:t>pdate/delete a main competition so that I can update/remove competition details and users can view the change(All the events under that specific competition will </a:t>
+            </a:r>
+            <a:r>
+              <a:rPr lang="en-US"/>
+              <a:t>be updated</a:t>
+            </a:r>
+            <a:r>
+              <a:rPr lang="en-US" dirty="0"/>
+              <a:t>/removed).</a:t>
             </a:r>
           </a:p>
           <a:p>

--- a/CodeFest-Management-Tool.pptx
+++ b/CodeFest-Management-Tool.pptx
@@ -6537,7 +6537,7 @@
         <p:spPr/>
         <p:txBody>
           <a:bodyPr>
-            <a:normAutofit/>
+            <a:normAutofit fontScale="85000" lnSpcReduction="20000"/>
           </a:bodyPr>
           <a:lstStyle/>
           <a:p>
@@ -6549,6 +6549,37 @@
               </a:rPr>
               <a:t>As a lecturer I want to add a link to view the details about sponsorship company so that I can introduce the sponsorship company to all.</a:t>
             </a:r>
+          </a:p>
+          <a:p>
+            <a:pPr lvl="0"/>
+            <a:r>
+              <a:rPr lang="en-US" dirty="0">
+                <a:solidFill>
+                  <a:srgbClr val="FF0000"/>
+                </a:solidFill>
+              </a:rPr>
+              <a:t>As an lecturer, I want to add/edit a theme for the site so that I can update the theme according to the year.</a:t>
+            </a:r>
+          </a:p>
+          <a:p>
+            <a:pPr lvl="0"/>
+            <a:r>
+              <a:rPr lang="en-US" dirty="0">
+                <a:solidFill>
+                  <a:srgbClr val="FF0000"/>
+                </a:solidFill>
+              </a:rPr>
+              <a:t>As an lecturer, I want to delete the theme from the site so that I can remove the theme when there is not any specific theme for some years.</a:t>
+            </a:r>
+            <a:r>
+              <a:rPr lang="en-US" dirty="0"/>
+              <a:t> </a:t>
+            </a:r>
+            <a:endParaRPr lang="en-US" dirty="0">
+              <a:solidFill>
+                <a:srgbClr val="FF0000"/>
+              </a:solidFill>
+            </a:endParaRPr>
           </a:p>
           <a:p>
             <a:r>

--- a/CodeFest-Management-Tool.pptx
+++ b/CodeFest-Management-Tool.pptx
@@ -6006,168 +6006,57 @@
           <a:bodyPr/>
           <a:lstStyle/>
           <a:p>
-            <a:r>
-              <a:rPr lang="en-US" dirty="0"/>
-              <a:t>As a </a:t>
-            </a:r>
-            <a:r>
-              <a:rPr lang="en-US" dirty="0">
-                <a:solidFill>
-                  <a:srgbClr val="FF0000"/>
-                </a:solidFill>
-              </a:rPr>
-              <a:t>l</a:t>
-            </a:r>
-            <a:r>
-              <a:rPr lang="en-US" dirty="0"/>
-              <a:t>ecturer I want to </a:t>
-            </a:r>
-            <a:r>
-              <a:rPr lang="en-US" dirty="0">
-                <a:solidFill>
-                  <a:srgbClr val="FF0000"/>
-                </a:solidFill>
-              </a:rPr>
-              <a:t>u</a:t>
-            </a:r>
-            <a:r>
-              <a:rPr lang="en-US" dirty="0"/>
-              <a:t>pdate/remove budget for a competition so that I can update/remove budget competition details and users can view the change(All the budgets allocated for events/workshops under that specific competition will </a:t>
-            </a:r>
-            <a:r>
-              <a:rPr lang="en-US"/>
-              <a:t>be updated</a:t>
-            </a:r>
-            <a:r>
-              <a:rPr lang="en-US" dirty="0"/>
-              <a:t>/removed).</a:t>
-            </a:r>
-          </a:p>
-          <a:p>
-            <a:r>
-              <a:rPr lang="en-US" dirty="0"/>
-              <a:t>As a </a:t>
-            </a:r>
-            <a:r>
-              <a:rPr lang="en-US" dirty="0">
-                <a:solidFill>
-                  <a:srgbClr val="FF0000"/>
-                </a:solidFill>
-              </a:rPr>
-              <a:t>l</a:t>
-            </a:r>
-            <a:r>
-              <a:rPr lang="en-US" dirty="0"/>
-              <a:t>ecturer I want to </a:t>
-            </a:r>
-            <a:r>
-              <a:rPr lang="en-US" dirty="0">
-                <a:solidFill>
-                  <a:srgbClr val="FF0000"/>
-                </a:solidFill>
-              </a:rPr>
-              <a:t>u</a:t>
-            </a:r>
-            <a:r>
-              <a:rPr lang="en-US" dirty="0"/>
-              <a:t>pdate/remove budget for a</a:t>
-            </a:r>
-            <a:r>
-              <a:rPr lang="en-US" dirty="0">
-                <a:solidFill>
-                  <a:srgbClr val="FF0000"/>
-                </a:solidFill>
-              </a:rPr>
-              <a:t>n</a:t>
-            </a:r>
-            <a:r>
-              <a:rPr lang="en-US" dirty="0"/>
-              <a:t> event so that I can update/remove event budget details and users can view the change.</a:t>
-            </a:r>
-          </a:p>
-          <a:p>
-            <a:r>
-              <a:rPr lang="en-US" dirty="0"/>
-              <a:t>As a </a:t>
-            </a:r>
-            <a:r>
-              <a:rPr lang="en-US" dirty="0">
-                <a:solidFill>
-                  <a:srgbClr val="FF0000"/>
-                </a:solidFill>
-              </a:rPr>
-              <a:t>l</a:t>
-            </a:r>
-            <a:r>
-              <a:rPr lang="en-US" dirty="0"/>
-              <a:t>ecturer I want to </a:t>
-            </a:r>
-            <a:r>
-              <a:rPr lang="en-US" dirty="0">
-                <a:solidFill>
-                  <a:srgbClr val="FF0000"/>
-                </a:solidFill>
-              </a:rPr>
-              <a:t>u</a:t>
-            </a:r>
-            <a:r>
-              <a:rPr lang="en-US" dirty="0"/>
-              <a:t>pdate/remove budget for a workshop so that I can update/remove workshop budget details.</a:t>
-            </a:r>
-          </a:p>
-          <a:p>
-            <a:r>
-              <a:rPr lang="en-US" dirty="0"/>
-              <a:t>As a </a:t>
-            </a:r>
-            <a:r>
-              <a:rPr lang="en-US" dirty="0">
-                <a:solidFill>
-                  <a:srgbClr val="FF0000"/>
-                </a:solidFill>
-              </a:rPr>
-              <a:t>l</a:t>
-            </a:r>
-            <a:r>
-              <a:rPr lang="en-US" dirty="0"/>
-              <a:t>ecturer I want to search a candidate student so that I can view details about candidate student.</a:t>
-            </a:r>
-          </a:p>
-          <a:p>
-            <a:r>
-              <a:rPr lang="en-US" dirty="0"/>
-              <a:t>As a </a:t>
-            </a:r>
-            <a:r>
-              <a:rPr lang="en-US" dirty="0">
-                <a:solidFill>
-                  <a:srgbClr val="FF0000"/>
-                </a:solidFill>
-              </a:rPr>
-              <a:t>l</a:t>
-            </a:r>
-            <a:r>
-              <a:rPr lang="en-US" dirty="0"/>
-              <a:t>ecturer I want to add candidate student to a specific event so that student get access to the system and will be added to organizing committee(Committee Member).</a:t>
-            </a:r>
-          </a:p>
-          <a:p>
-            <a:pPr lvl="0"/>
-            <a:r>
-              <a:rPr lang="en-US" dirty="0"/>
-              <a:t>As a </a:t>
-            </a:r>
-            <a:r>
-              <a:rPr lang="en-US" dirty="0">
-                <a:solidFill>
-                  <a:srgbClr val="FF0000"/>
-                </a:solidFill>
-              </a:rPr>
-              <a:t>l</a:t>
-            </a:r>
-            <a:r>
-              <a:rPr lang="en-US" dirty="0"/>
-              <a:t>ecturer I want to revoke/delete committee member so that I can remove user details and access.</a:t>
+            <a:pPr marL="457200" indent="-457200">
+              <a:buAutoNum type="arabicPeriod" startAt="19"/>
+            </a:pPr>
+            <a:r>
+              <a:rPr lang="en-US" dirty="0"/>
+              <a:t>As a lecturer I want to update/remove budget for a competition so that I can update/remove budget competition details and users can view the change(All the budgets allocated for events/workshops under that specific competition will be updated/removed).</a:t>
+            </a:r>
+          </a:p>
+          <a:p>
+            <a:pPr marL="457200" indent="-457200">
+              <a:buAutoNum type="arabicPeriod" startAt="19"/>
+            </a:pPr>
+            <a:r>
+              <a:rPr lang="en-US" dirty="0"/>
+              <a:t>As a lecturer I want to update/remove budget for an event so that I can update/remove event budget details and users can view the change.</a:t>
+            </a:r>
+          </a:p>
+          <a:p>
+            <a:pPr marL="457200" indent="-457200">
+              <a:buAutoNum type="arabicPeriod" startAt="19"/>
+            </a:pPr>
+            <a:r>
+              <a:rPr lang="en-US" dirty="0"/>
+              <a:t>As a lecturer I want to update/remove budget for a workshop so that I can update/remove workshop budget details.</a:t>
+            </a:r>
+          </a:p>
+          <a:p>
+            <a:pPr marL="457200" indent="-457200">
+              <a:buAutoNum type="arabicPeriod" startAt="19"/>
+            </a:pPr>
+            <a:r>
+              <a:rPr lang="en-US" dirty="0"/>
+              <a:t>As a lecturer I want to search a candidate student so that I can view details about candidate student.</a:t>
+            </a:r>
+          </a:p>
+          <a:p>
+            <a:pPr marL="457200" indent="-457200">
+              <a:buAutoNum type="arabicPeriod" startAt="19"/>
+            </a:pPr>
+            <a:r>
+              <a:rPr lang="en-US" dirty="0"/>
+              <a:t>As a lecturer I want to add candidate student to a specific event so that student get access to the system and will be added to organizing committee(Committee Member).</a:t>
+            </a:r>
+          </a:p>
+          <a:p>
+            <a:pPr marL="457200" indent="-457200">
+              <a:buAutoNum type="arabicPeriod" startAt="19"/>
+            </a:pPr>
+            <a:r>
+              <a:rPr lang="en-US" dirty="0"/>
+              <a:t>As a lecturer I want to revoke/delete committee member so that I can remove user details and access.</a:t>
             </a:r>
           </a:p>
           <a:p>
@@ -6236,14 +6125,14 @@
         <p:spPr>
           <a:xfrm>
             <a:off x="2895600" y="17924"/>
-            <a:ext cx="8610600" cy="1293028"/>
-          </a:xfrm>
-        </p:spPr>
-        <p:txBody>
-          <a:bodyPr/>
-          <a:lstStyle/>
-          <a:p>
-            <a:endParaRPr lang="en-US"/>
+            <a:ext cx="8610600" cy="778910"/>
+          </a:xfrm>
+        </p:spPr>
+        <p:txBody>
+          <a:bodyPr/>
+          <a:lstStyle/>
+          <a:p>
+            <a:endParaRPr lang="en-US" dirty="0"/>
           </a:p>
         </p:txBody>
       </p:sp>
@@ -6259,8 +6148,8 @@
         </p:nvSpPr>
         <p:spPr>
           <a:xfrm>
-            <a:off x="685800" y="1530220"/>
-            <a:ext cx="10820400" cy="5327780"/>
+            <a:off x="685800" y="966651"/>
+            <a:ext cx="10820400" cy="5891349"/>
           </a:xfrm>
         </p:spPr>
         <p:txBody>
@@ -6269,173 +6158,75 @@
           </a:bodyPr>
           <a:lstStyle/>
           <a:p>
-            <a:r>
-              <a:rPr lang="en-US" dirty="0"/>
-              <a:t>As a </a:t>
-            </a:r>
-            <a:r>
-              <a:rPr lang="en-US" dirty="0">
-                <a:solidFill>
-                  <a:srgbClr val="FF0000"/>
-                </a:solidFill>
-              </a:rPr>
-              <a:t>l</a:t>
-            </a:r>
-            <a:r>
-              <a:rPr lang="en-US" dirty="0"/>
-              <a:t>ecturer I want to send emails to committee members/</a:t>
-            </a:r>
-            <a:r>
-              <a:rPr lang="en-US" dirty="0">
-                <a:solidFill>
-                  <a:srgbClr val="FF0000"/>
-                </a:solidFill>
-              </a:rPr>
-              <a:t>l</a:t>
-            </a:r>
-            <a:r>
-              <a:rPr lang="en-US" dirty="0"/>
-              <a:t>ecturers/participants regarding events/new appointments/new changes so that I can inform users.</a:t>
-            </a:r>
-          </a:p>
-          <a:p>
-            <a:r>
-              <a:rPr lang="en-US" dirty="0"/>
-              <a:t>As a </a:t>
-            </a:r>
-            <a:r>
-              <a:rPr lang="en-US" dirty="0">
-                <a:solidFill>
-                  <a:srgbClr val="FF0000"/>
-                </a:solidFill>
-              </a:rPr>
-              <a:t>l</a:t>
-            </a:r>
-            <a:r>
-              <a:rPr lang="en-US" dirty="0"/>
-              <a:t>ecturer I want to report a problem or a feedback so that I can report faults/requests to administrator. </a:t>
-            </a:r>
-          </a:p>
-          <a:p>
-            <a:r>
-              <a:rPr lang="en-US" dirty="0"/>
-              <a:t>As a </a:t>
-            </a:r>
-            <a:r>
-              <a:rPr lang="en-US" dirty="0">
-                <a:solidFill>
-                  <a:srgbClr val="FF0000"/>
-                </a:solidFill>
-              </a:rPr>
-              <a:t>l</a:t>
-            </a:r>
-            <a:r>
-              <a:rPr lang="en-US" dirty="0"/>
-              <a:t>ecturer I want to add round results for </a:t>
-            </a:r>
-            <a:r>
-              <a:rPr lang="en-US" dirty="0">
-                <a:solidFill>
-                  <a:srgbClr val="FF0000"/>
-                </a:solidFill>
-              </a:rPr>
-              <a:t>an</a:t>
-            </a:r>
-            <a:r>
-              <a:rPr lang="en-US" dirty="0"/>
-              <a:t> event so that I can inform users about event results.</a:t>
-            </a:r>
-          </a:p>
-          <a:p>
-            <a:r>
-              <a:rPr lang="en-US" dirty="0"/>
-              <a:t>As a </a:t>
-            </a:r>
-            <a:r>
-              <a:rPr lang="en-US" dirty="0">
-                <a:solidFill>
-                  <a:srgbClr val="FF0000"/>
-                </a:solidFill>
-              </a:rPr>
-              <a:t>l</a:t>
-            </a:r>
-            <a:r>
-              <a:rPr lang="en-US" dirty="0"/>
-              <a:t>ecturer I want to </a:t>
-            </a:r>
-            <a:r>
-              <a:rPr lang="en-US" dirty="0">
-                <a:solidFill>
-                  <a:srgbClr val="FF0000"/>
-                </a:solidFill>
-              </a:rPr>
-              <a:t>u</a:t>
-            </a:r>
-            <a:r>
-              <a:rPr lang="en-US" dirty="0"/>
-              <a:t>pdate/delete results of an event so that I can update/remove event result details and users can view the change.</a:t>
-            </a:r>
-          </a:p>
-          <a:p>
-            <a:r>
-              <a:rPr lang="en-US" dirty="0">
-                <a:solidFill>
-                  <a:srgbClr val="FF0000"/>
-                </a:solidFill>
-              </a:rPr>
+            <a:pPr marL="457200" indent="-457200">
+              <a:buNone/>
+            </a:pPr>
+            <a:r>
+              <a:rPr lang="en-US" dirty="0"/>
+              <a:t>25. As a lecturer I want to send emails to committee members/lecturers/participants regarding events/new appointments/new changes  so that I can inform users.</a:t>
+            </a:r>
+          </a:p>
+          <a:p>
+            <a:pPr marL="457200" indent="-457200">
+              <a:buAutoNum type="arabicPeriod" startAt="26"/>
+            </a:pPr>
+            <a:r>
+              <a:rPr lang="en-US" dirty="0"/>
+              <a:t>As a lecturer I want to report a problem or a feedback so that I can report faults/requests to administrator. </a:t>
+            </a:r>
+          </a:p>
+          <a:p>
+            <a:pPr marL="457200" indent="-457200">
+              <a:buAutoNum type="arabicPeriod" startAt="26"/>
+            </a:pPr>
+            <a:r>
+              <a:rPr lang="en-US" dirty="0"/>
+              <a:t>As a lecturer I want to add round results for an event so that I can inform users about event results.</a:t>
+            </a:r>
+          </a:p>
+          <a:p>
+            <a:pPr marL="457200" indent="-457200">
+              <a:buAutoNum type="arabicPeriod" startAt="26"/>
+            </a:pPr>
+            <a:r>
+              <a:rPr lang="en-US" dirty="0"/>
+              <a:t>As a lecturer I want to update/delete results of an event so that I can update/remove event result details and users can view the change.</a:t>
+            </a:r>
+          </a:p>
+          <a:p>
+            <a:pPr marL="457200" indent="-457200">
+              <a:buAutoNum type="arabicPeriod" startAt="26"/>
+            </a:pPr>
+            <a:r>
+              <a:rPr lang="en-US" dirty="0"/>
               <a:t>As a lecturer I want to generate reports of the full summary of events so that I can save/print the event summary.</a:t>
             </a:r>
           </a:p>
           <a:p>
-            <a:r>
-              <a:rPr lang="en-US" dirty="0">
-                <a:solidFill>
-                  <a:srgbClr val="FF0000"/>
-                </a:solidFill>
-              </a:rPr>
-              <a:t>As a lecturer I want to register the judges for the competitions so that I can know and get a count of judges.</a:t>
-            </a:r>
-          </a:p>
-          <a:p>
-            <a:r>
-              <a:rPr lang="en-US" dirty="0">
-                <a:solidFill>
-                  <a:srgbClr val="FF0000"/>
-                </a:solidFill>
-              </a:rPr>
-              <a:t>As </a:t>
-            </a:r>
-            <a:r>
-              <a:rPr lang="en-US">
-                <a:solidFill>
-                  <a:srgbClr val="FF0000"/>
-                </a:solidFill>
-              </a:rPr>
-              <a:t>a lecturer </a:t>
-            </a:r>
-            <a:r>
-              <a:rPr lang="en-US" dirty="0">
-                <a:solidFill>
-                  <a:srgbClr val="FF0000"/>
-                </a:solidFill>
-              </a:rPr>
-              <a:t>I want to assign judges for teams so that I can reserve </a:t>
-            </a:r>
-            <a:r>
-              <a:rPr lang="en-US">
-                <a:solidFill>
-                  <a:srgbClr val="FF0000"/>
-                </a:solidFill>
-              </a:rPr>
-              <a:t>presentation schedules </a:t>
-            </a:r>
-            <a:r>
-              <a:rPr lang="en-US" dirty="0">
-                <a:solidFill>
-                  <a:srgbClr val="FF0000"/>
-                </a:solidFill>
-              </a:rPr>
-              <a:t>effectively.</a:t>
+            <a:pPr marL="457200" indent="-457200">
+              <a:buAutoNum type="arabicPeriod" startAt="26"/>
+            </a:pPr>
+            <a:r>
+              <a:rPr lang="en-US" dirty="0"/>
+              <a:t>As a lecturer I want to generate reports of the budget so that I can save/print the budget summary.</a:t>
+            </a:r>
+          </a:p>
+          <a:p>
+            <a:pPr marL="457200" indent="-457200">
+              <a:buAutoNum type="arabicPeriod" startAt="26"/>
+            </a:pPr>
+            <a:r>
+              <a:rPr lang="en-US" dirty="0"/>
+              <a:t>As a lecturer I want to register the judges for the events so that I can know and get a count of judges.</a:t>
+            </a:r>
+          </a:p>
+          <a:p>
+            <a:pPr marL="457200" indent="-457200">
+              <a:buAutoNum type="arabicPeriod" startAt="26"/>
+            </a:pPr>
+            <a:r>
+              <a:rPr lang="en-US" dirty="0"/>
+              <a:t>As a lecturer I want to assign judges for teams so that I can reserve presentation schedules effectively.</a:t>
             </a:r>
           </a:p>
           <a:p>
@@ -6520,7 +6311,7 @@
           <a:bodyPr/>
           <a:lstStyle/>
           <a:p>
-            <a:endParaRPr lang="en-US"/>
+            <a:endParaRPr lang="en-US" dirty="0"/>
           </a:p>
         </p:txBody>
       </p:sp>
@@ -6534,219 +6325,82 @@
             <p:ph idx="1"/>
           </p:nvPr>
         </p:nvSpPr>
-        <p:spPr/>
+        <p:spPr>
+          <a:xfrm>
+            <a:off x="685800" y="2194560"/>
+            <a:ext cx="10820400" cy="4480560"/>
+          </a:xfrm>
+        </p:spPr>
         <p:txBody>
           <a:bodyPr>
-            <a:normAutofit fontScale="85000" lnSpcReduction="20000"/>
+            <a:normAutofit fontScale="92500" lnSpcReduction="10000"/>
           </a:bodyPr>
           <a:lstStyle/>
           <a:p>
-            <a:r>
-              <a:rPr lang="en-US" dirty="0">
-                <a:solidFill>
-                  <a:srgbClr val="FF0000"/>
-                </a:solidFill>
-              </a:rPr>
-              <a:t>As a lecturer I want to add a link to view the details about sponsorship company so that I can introduce the sponsorship company to all.</a:t>
-            </a:r>
-          </a:p>
-          <a:p>
-            <a:pPr lvl="0"/>
-            <a:r>
-              <a:rPr lang="en-US" dirty="0">
-                <a:solidFill>
-                  <a:srgbClr val="FF0000"/>
-                </a:solidFill>
-              </a:rPr>
-              <a:t>As an lecturer, I want to add/edit a theme for the site so that I can update the theme according to the year.</a:t>
-            </a:r>
-          </a:p>
-          <a:p>
-            <a:pPr lvl="0"/>
-            <a:r>
-              <a:rPr lang="en-US" dirty="0">
-                <a:solidFill>
-                  <a:srgbClr val="FF0000"/>
-                </a:solidFill>
-              </a:rPr>
-              <a:t>As an lecturer, I want to delete the theme from the site so that I can remove the theme when there is not any specific theme for some years.</a:t>
-            </a:r>
-            <a:r>
-              <a:rPr lang="en-US" dirty="0"/>
-              <a:t> </a:t>
-            </a:r>
-            <a:endParaRPr lang="en-US" dirty="0">
-              <a:solidFill>
-                <a:srgbClr val="FF0000"/>
-              </a:solidFill>
-            </a:endParaRPr>
-          </a:p>
-          <a:p>
-            <a:r>
-              <a:rPr lang="en-US" dirty="0"/>
+            <a:pPr marL="457200" indent="-457200">
+              <a:buAutoNum type="arabicPeriod" startAt="33"/>
+            </a:pPr>
+            <a:r>
+              <a:rPr lang="en-US" dirty="0"/>
+              <a:t>As a lecturer I want to add a link to view the details about sponsorship company so that I can introduce the sponsorship company to users.</a:t>
+            </a:r>
+          </a:p>
+          <a:p>
+            <a:pPr marL="457200" indent="-457200">
+              <a:buAutoNum type="arabicPeriod" startAt="33"/>
+            </a:pPr>
+            <a:r>
+              <a:rPr lang="en-US" dirty="0"/>
+              <a:t>As a lecturer, I want to add/edit a theme for the site so that I can update the theme according to the year.</a:t>
+            </a:r>
+          </a:p>
+          <a:p>
+            <a:pPr marL="457200" indent="-457200">
+              <a:buAutoNum type="arabicPeriod" startAt="33"/>
+            </a:pPr>
+            <a:r>
+              <a:rPr lang="en-US"/>
               <a:t>As a </a:t>
             </a:r>
             <a:r>
-              <a:rPr lang="en-US" dirty="0">
-                <a:solidFill>
-                  <a:srgbClr val="FF0000"/>
-                </a:solidFill>
-              </a:rPr>
-              <a:t>c</a:t>
-            </a:r>
-            <a:r>
-              <a:rPr lang="en-US" dirty="0"/>
-              <a:t>andidate </a:t>
-            </a:r>
-            <a:r>
-              <a:rPr lang="en-US" dirty="0">
-                <a:solidFill>
-                  <a:srgbClr val="FF0000"/>
-                </a:solidFill>
-              </a:rPr>
-              <a:t>s</a:t>
-            </a:r>
-            <a:r>
-              <a:rPr lang="en-US" dirty="0"/>
-              <a:t>tudent I want to apply for organizing committee member position so that I can access system.</a:t>
-            </a:r>
-          </a:p>
-          <a:p>
-            <a:r>
-              <a:rPr lang="en-US" dirty="0"/>
-              <a:t>As a </a:t>
-            </a:r>
-            <a:r>
-              <a:rPr lang="en-US" dirty="0">
-                <a:solidFill>
-                  <a:srgbClr val="FF0000"/>
-                </a:solidFill>
-              </a:rPr>
-              <a:t>c</a:t>
-            </a:r>
-            <a:r>
-              <a:rPr lang="en-US" dirty="0"/>
-              <a:t>andidate </a:t>
-            </a:r>
-            <a:r>
-              <a:rPr lang="en-US" dirty="0">
-                <a:solidFill>
-                  <a:srgbClr val="FF0000"/>
-                </a:solidFill>
-              </a:rPr>
-              <a:t>s</a:t>
-            </a:r>
-            <a:r>
-              <a:rPr lang="en-US" dirty="0"/>
-              <a:t>tudent I want to revoke/update my application for organizing committee member position so that I can change/withdrawn my application.</a:t>
-            </a:r>
-          </a:p>
-          <a:p>
-            <a:r>
-              <a:rPr lang="en-US" dirty="0"/>
-              <a:t>As a</a:t>
-            </a:r>
-            <a:r>
-              <a:rPr lang="en-US" dirty="0">
-                <a:solidFill>
-                  <a:srgbClr val="FF0000"/>
-                </a:solidFill>
-              </a:rPr>
-              <a:t>n</a:t>
-            </a:r>
-            <a:r>
-              <a:rPr lang="en-US" dirty="0"/>
-              <a:t> </a:t>
-            </a:r>
-            <a:r>
-              <a:rPr lang="en-US" dirty="0">
-                <a:solidFill>
-                  <a:srgbClr val="FF0000"/>
-                </a:solidFill>
-              </a:rPr>
-              <a:t>o</a:t>
-            </a:r>
-            <a:r>
-              <a:rPr lang="en-US" dirty="0"/>
-              <a:t>rganizing </a:t>
-            </a:r>
-            <a:r>
-              <a:rPr lang="en-US" dirty="0">
-                <a:solidFill>
-                  <a:srgbClr val="FF0000"/>
-                </a:solidFill>
-              </a:rPr>
-              <a:t>c</a:t>
-            </a:r>
-            <a:r>
-              <a:rPr lang="en-US" dirty="0"/>
-              <a:t>ommittee </a:t>
-            </a:r>
-            <a:r>
-              <a:rPr lang="en-US" dirty="0">
-                <a:solidFill>
-                  <a:srgbClr val="FF0000"/>
-                </a:solidFill>
-              </a:rPr>
-              <a:t>m</a:t>
-            </a:r>
-            <a:r>
-              <a:rPr lang="en-US" dirty="0"/>
-              <a:t>ember I want to search for events so that I can view event details.</a:t>
-            </a:r>
-          </a:p>
-          <a:p>
-            <a:r>
-              <a:rPr lang="en-US" dirty="0"/>
-              <a:t>As a</a:t>
-            </a:r>
-            <a:r>
-              <a:rPr lang="en-US" dirty="0">
-                <a:solidFill>
-                  <a:srgbClr val="FF0000"/>
-                </a:solidFill>
-              </a:rPr>
-              <a:t>n</a:t>
-            </a:r>
-            <a:r>
-              <a:rPr lang="en-US" dirty="0"/>
-              <a:t> </a:t>
-            </a:r>
-            <a:r>
-              <a:rPr lang="en-US" dirty="0">
-                <a:solidFill>
-                  <a:srgbClr val="FF0000"/>
-                </a:solidFill>
-              </a:rPr>
-              <a:t>o</a:t>
-            </a:r>
-            <a:r>
-              <a:rPr lang="en-US" dirty="0"/>
-              <a:t>rganizing </a:t>
-            </a:r>
-            <a:r>
-              <a:rPr lang="en-US" dirty="0">
-                <a:solidFill>
-                  <a:srgbClr val="FF0000"/>
-                </a:solidFill>
-              </a:rPr>
-              <a:t>c</a:t>
-            </a:r>
-            <a:r>
-              <a:rPr lang="en-US" dirty="0"/>
-              <a:t>ommittee </a:t>
-            </a:r>
-            <a:r>
-              <a:rPr lang="en-US" dirty="0">
-                <a:solidFill>
-                  <a:srgbClr val="FF0000"/>
-                </a:solidFill>
-              </a:rPr>
-              <a:t>m</a:t>
-            </a:r>
-            <a:r>
-              <a:rPr lang="en-US" dirty="0"/>
-              <a:t>ember I want to view results for the event which I am allocated so that I can view event result details.</a:t>
+              <a:rPr lang="en-US" dirty="0"/>
+              <a:t>lecturer, I want to delete the theme from the site so that I can remove the theme when there is not any specific theme for some years. </a:t>
+            </a:r>
+          </a:p>
+          <a:p>
+            <a:pPr marL="457200" indent="-457200">
+              <a:buAutoNum type="arabicPeriod" startAt="33"/>
+            </a:pPr>
+            <a:r>
+              <a:rPr lang="en-US" dirty="0"/>
+              <a:t>As a candidate student I want to apply for organizing committee member position so that I can access system.</a:t>
+            </a:r>
+          </a:p>
+          <a:p>
+            <a:pPr marL="457200" indent="-457200">
+              <a:buAutoNum type="arabicPeriod" startAt="33"/>
+            </a:pPr>
+            <a:r>
+              <a:rPr lang="en-US" dirty="0"/>
+              <a:t>As a candidate student I want to revoke/update my application for organizing committee member position so that I can change/withdrawn my application.</a:t>
+            </a:r>
+          </a:p>
+          <a:p>
+            <a:pPr marL="457200" indent="-457200">
+              <a:buAutoNum type="arabicPeriod" startAt="33"/>
+            </a:pPr>
+            <a:r>
+              <a:rPr lang="en-US" dirty="0"/>
+              <a:t>As an organizing committee member I want to search for events so that I can view event details.</a:t>
+            </a:r>
+          </a:p>
+          <a:p>
+            <a:pPr marL="457200" indent="-457200">
+              <a:buAutoNum type="arabicPeriod" startAt="33"/>
+            </a:pPr>
+            <a:r>
+              <a:rPr lang="en-US" dirty="0"/>
+              <a:t>As an organizing committee member I want to view results for the event which I am allocated so that I can view event result details.</a:t>
             </a:r>
           </a:p>
           <a:p>
@@ -6835,160 +6489,61 @@
         </p:spPr>
         <p:txBody>
           <a:bodyPr>
-            <a:normAutofit/>
+            <a:normAutofit lnSpcReduction="10000"/>
           </a:bodyPr>
           <a:lstStyle/>
           <a:p>
-            <a:r>
-              <a:rPr lang="en-US" dirty="0"/>
-              <a:t>As a </a:t>
-            </a:r>
-            <a:r>
-              <a:rPr lang="en-US" dirty="0">
-                <a:solidFill>
-                  <a:srgbClr val="FF0000"/>
-                </a:solidFill>
-              </a:rPr>
-              <a:t>p</a:t>
-            </a:r>
-            <a:r>
-              <a:rPr lang="en-US" dirty="0"/>
-              <a:t>articipant I want to search for events/workshops so that I can view event/workshop details.</a:t>
-            </a:r>
-          </a:p>
-          <a:p>
-            <a:r>
-              <a:rPr lang="en-US" dirty="0"/>
-              <a:t>As a </a:t>
-            </a:r>
-            <a:r>
-              <a:rPr lang="en-US" dirty="0">
-                <a:solidFill>
-                  <a:srgbClr val="FF0000"/>
-                </a:solidFill>
-              </a:rPr>
-              <a:t>p</a:t>
-            </a:r>
-            <a:r>
-              <a:rPr lang="en-US" dirty="0"/>
-              <a:t>articipant I want to apply for an event so that I can enter competition.</a:t>
-            </a:r>
-          </a:p>
-          <a:p>
-            <a:r>
-              <a:rPr lang="en-US" dirty="0"/>
-              <a:t>As a </a:t>
-            </a:r>
-            <a:r>
-              <a:rPr lang="en-US" dirty="0">
-                <a:solidFill>
-                  <a:srgbClr val="FF0000"/>
-                </a:solidFill>
-              </a:rPr>
-              <a:t>p</a:t>
-            </a:r>
-            <a:r>
-              <a:rPr lang="en-US" dirty="0"/>
-              <a:t>articipant I want to view </a:t>
-            </a:r>
-            <a:r>
-              <a:rPr lang="en-US" strike="sngStrike" dirty="0">
-                <a:solidFill>
-                  <a:srgbClr val="FF0000"/>
-                </a:solidFill>
-              </a:rPr>
-              <a:t>final</a:t>
-            </a:r>
-            <a:r>
-              <a:rPr lang="en-US" dirty="0"/>
-              <a:t> results </a:t>
-            </a:r>
-            <a:r>
-              <a:rPr lang="en-US" dirty="0">
-                <a:solidFill>
-                  <a:srgbClr val="FF0000"/>
-                </a:solidFill>
-              </a:rPr>
-              <a:t>round wise </a:t>
-            </a:r>
-            <a:r>
-              <a:rPr lang="en-US" dirty="0"/>
-              <a:t>for event</a:t>
-            </a:r>
-            <a:r>
-              <a:rPr lang="en-US" dirty="0">
-                <a:solidFill>
-                  <a:srgbClr val="FF0000"/>
-                </a:solidFill>
-              </a:rPr>
-              <a:t>s </a:t>
-            </a:r>
-            <a:r>
-              <a:rPr lang="en-US" dirty="0"/>
-              <a:t>so that I can </a:t>
-            </a:r>
-            <a:r>
-              <a:rPr lang="en-US" dirty="0">
-                <a:solidFill>
-                  <a:srgbClr val="FF0000"/>
-                </a:solidFill>
-              </a:rPr>
-              <a:t>know</a:t>
-            </a:r>
-            <a:r>
-              <a:rPr lang="en-US" dirty="0"/>
-              <a:t> event </a:t>
-            </a:r>
-            <a:r>
-              <a:rPr lang="en-US" strike="sngStrike" dirty="0">
-                <a:solidFill>
-                  <a:srgbClr val="FF0000"/>
-                </a:solidFill>
-              </a:rPr>
-              <a:t>final</a:t>
-            </a:r>
-            <a:r>
-              <a:rPr lang="en-US" dirty="0"/>
-              <a:t> results.</a:t>
-            </a:r>
-          </a:p>
-          <a:p>
-            <a:r>
-              <a:rPr lang="en-US" dirty="0"/>
-              <a:t>As a </a:t>
-            </a:r>
-            <a:r>
-              <a:rPr lang="en-US" dirty="0">
-                <a:solidFill>
-                  <a:srgbClr val="FF0000"/>
-                </a:solidFill>
-              </a:rPr>
-              <a:t>p</a:t>
-            </a:r>
-            <a:r>
-              <a:rPr lang="en-US" dirty="0"/>
-              <a:t>articipant I want to send mails so that I can inquire about event/workshop details.</a:t>
-            </a:r>
-          </a:p>
-          <a:p>
-            <a:pPr lvl="0"/>
-            <a:r>
-              <a:rPr lang="en-US" dirty="0">
-                <a:solidFill>
-                  <a:srgbClr val="FF0000"/>
-                </a:solidFill>
-              </a:rPr>
-              <a:t>As a participant I want to access to their new proposing site through the enabled link at the competition time so that I can register the team and submit the presentation to it.</a:t>
-            </a:r>
-          </a:p>
-          <a:p>
-            <a:r>
-              <a:rPr lang="en-US" dirty="0">
-                <a:solidFill>
-                  <a:srgbClr val="FF0000"/>
-                </a:solidFill>
-              </a:rPr>
-              <a:t>As a participant I want to view the remaining time for the competition when I need so that I can manage the workload accordingly. </a:t>
+            <a:pPr marL="0" indent="0">
+              <a:buNone/>
+            </a:pPr>
+            <a:r>
+              <a:rPr lang="en-US" dirty="0"/>
+              <a:t>40. As a participant I want to search for events/workshops so that I can view event/workshop details.</a:t>
+            </a:r>
+          </a:p>
+          <a:p>
+            <a:pPr marL="0" indent="0">
+              <a:buNone/>
+            </a:pPr>
+            <a:r>
+              <a:rPr lang="en-US" dirty="0"/>
+              <a:t>41. As a participant I want to apply for an event so that I can enter competition.</a:t>
+            </a:r>
+          </a:p>
+          <a:p>
+            <a:pPr marL="0" indent="0">
+              <a:buNone/>
+            </a:pPr>
+            <a:r>
+              <a:rPr lang="en-US" dirty="0"/>
+              <a:t>42. As a participant I want to view results round wise for events so that I can know event results.</a:t>
+            </a:r>
+          </a:p>
+          <a:p>
+            <a:pPr marL="0" indent="0">
+              <a:buNone/>
+            </a:pPr>
+            <a:r>
+              <a:rPr lang="en-US" dirty="0"/>
+              <a:t>43. As a participant I want to send mails so that I can inquire about event/workshop details.</a:t>
+            </a:r>
+          </a:p>
+          <a:p>
+            <a:pPr marL="0" lvl="0" indent="0">
+              <a:buNone/>
+            </a:pPr>
+            <a:r>
+              <a:rPr lang="en-US" dirty="0"/>
+              <a:t>44. As a participant I want to access to their new proposing site through the enabled link at the event time so that I can register the team and submit the presentation to it.</a:t>
+            </a:r>
+          </a:p>
+          <a:p>
+            <a:pPr marL="0" indent="0">
+              <a:buNone/>
+            </a:pPr>
+            <a:r>
+              <a:rPr lang="en-US" dirty="0"/>
+              <a:t>45. As a participant I want to view the remaining time for the event when I need so that I can manage the workload accordingly. </a:t>
             </a:r>
           </a:p>
           <a:p>
@@ -7087,139 +6642,46 @@
           <a:bodyPr/>
           <a:lstStyle/>
           <a:p>
-            <a:pPr lvl="0"/>
-            <a:r>
-              <a:rPr lang="en-US" dirty="0">
-                <a:solidFill>
-                  <a:srgbClr val="FF0000"/>
-                </a:solidFill>
-              </a:rPr>
-              <a:t>As a participant I can search/copy the allocated group id/registration table so that I can view/copy the group id/registration table.</a:t>
-            </a:r>
-          </a:p>
-          <a:p>
-            <a:r>
-              <a:rPr lang="en-US" dirty="0">
-                <a:solidFill>
-                  <a:srgbClr val="FF0000"/>
-                </a:solidFill>
-              </a:rPr>
-              <a:t>As a participant I can search and get the allocated registration table number/competition venue and time/presentation venue and time/panel number so that I can easily and quickly view important details when I need.</a:t>
-            </a:r>
-          </a:p>
-          <a:p>
-            <a:r>
-              <a:rPr lang="en-US" dirty="0"/>
-              <a:t>As a</a:t>
-            </a:r>
-            <a:r>
-              <a:rPr lang="en-US" dirty="0">
-                <a:solidFill>
-                  <a:srgbClr val="FF0000"/>
-                </a:solidFill>
-              </a:rPr>
-              <a:t>n</a:t>
-            </a:r>
-            <a:r>
-              <a:rPr lang="en-US" dirty="0"/>
+            <a:pPr marL="0" lvl="0" indent="0">
+              <a:buNone/>
+            </a:pPr>
+            <a:r>
+              <a:rPr lang="en-US" dirty="0"/>
+              <a:t>46. As a participant I can search/copy the allocated group id/registration details so that I can view/copy the group id/registration details.</a:t>
+            </a:r>
+          </a:p>
+          <a:p>
+            <a:pPr marL="0" lvl="0" indent="0">
+              <a:buNone/>
+            </a:pPr>
+            <a:r>
+              <a:rPr lang="en-US" dirty="0"/>
+              <a:t>47. As a participant I can search and get the allocated registration table number/competition venue and time/presentation venue and time/panel number so that I can easily and quickly view important details when I need.</a:t>
+            </a:r>
+          </a:p>
+          <a:p>
+            <a:pPr marL="0" indent="0">
+              <a:buNone/>
+            </a:pPr>
+            <a:r>
+              <a:rPr lang="en-US" dirty="0"/>
+              <a:t>48. As an administrator/lecturer/organizing committee member I want to login to the system so that I can access system.</a:t>
+            </a:r>
+          </a:p>
+          <a:p>
+            <a:pPr marL="0" indent="0">
+              <a:buNone/>
+            </a:pPr>
+            <a:r>
+              <a:rPr lang="en-US" dirty="0"/>
+              <a:t>49. As an administrator/lecturer/organizing committee member I want to reset the username/password for the system</a:t>
+            </a:r>
+            <a:r>
+              <a:rPr lang="en-US" b="1" dirty="0"/>
               <a:t> </a:t>
             </a:r>
             <a:r>
-              <a:rPr lang="en-US" dirty="0">
-                <a:solidFill>
-                  <a:srgbClr val="FF0000"/>
-                </a:solidFill>
-              </a:rPr>
-              <a:t>a</a:t>
-            </a:r>
-            <a:r>
-              <a:rPr lang="en-US" dirty="0"/>
-              <a:t>dministrator/</a:t>
-            </a:r>
-            <a:r>
-              <a:rPr lang="en-US" dirty="0">
-                <a:solidFill>
-                  <a:srgbClr val="FF0000"/>
-                </a:solidFill>
-              </a:rPr>
-              <a:t>l</a:t>
-            </a:r>
-            <a:r>
-              <a:rPr lang="en-US" dirty="0"/>
-              <a:t>ecturer/</a:t>
-            </a:r>
-            <a:r>
-              <a:rPr lang="en-US" dirty="0">
-                <a:solidFill>
-                  <a:srgbClr val="FF0000"/>
-                </a:solidFill>
-              </a:rPr>
-              <a:t>o</a:t>
-            </a:r>
-            <a:r>
-              <a:rPr lang="en-US" dirty="0"/>
-              <a:t>rganizing </a:t>
-            </a:r>
-            <a:r>
-              <a:rPr lang="en-US" dirty="0">
-                <a:solidFill>
-                  <a:srgbClr val="FF0000"/>
-                </a:solidFill>
-              </a:rPr>
-              <a:t>c</a:t>
-            </a:r>
-            <a:r>
-              <a:rPr lang="en-US" dirty="0"/>
-              <a:t>ommittee </a:t>
-            </a:r>
-            <a:r>
-              <a:rPr lang="en-US" dirty="0">
-                <a:solidFill>
-                  <a:srgbClr val="FF0000"/>
-                </a:solidFill>
-              </a:rPr>
-              <a:t>m</a:t>
-            </a:r>
-            <a:r>
-              <a:rPr lang="en-US" dirty="0"/>
-              <a:t>ember I want to login to the system so that I </a:t>
-            </a:r>
-            <a:r>
-              <a:rPr lang="en-US" dirty="0">
-                <a:solidFill>
-                  <a:srgbClr val="FF0000"/>
-                </a:solidFill>
-              </a:rPr>
-              <a:t>can</a:t>
-            </a:r>
-            <a:r>
-              <a:rPr lang="en-US" dirty="0"/>
-              <a:t> access system.</a:t>
-            </a:r>
-          </a:p>
-          <a:p>
-            <a:r>
-              <a:rPr lang="en-US" dirty="0">
-                <a:solidFill>
-                  <a:srgbClr val="FF0000"/>
-                </a:solidFill>
-              </a:rPr>
-              <a:t>As an administrator/lecturer/organizing committee member I want to reset the username/password for the system</a:t>
-            </a:r>
-            <a:r>
-              <a:rPr lang="en-US" b="1" dirty="0">
-                <a:solidFill>
-                  <a:srgbClr val="FF0000"/>
-                </a:solidFill>
-              </a:rPr>
-              <a:t> </a:t>
-            </a:r>
-            <a:r>
-              <a:rPr lang="en-US" dirty="0">
-                <a:solidFill>
-                  <a:srgbClr val="FF0000"/>
-                </a:solidFill>
-              </a:rPr>
+              <a:rPr lang="en-US" dirty="0"/>
               <a:t>so that I can access system when I forget the username or password.</a:t>
             </a:r>
           </a:p>
@@ -7993,7 +7455,12 @@
             <p:ph type="title"/>
           </p:nvPr>
         </p:nvSpPr>
-        <p:spPr/>
+        <p:spPr>
+          <a:xfrm>
+            <a:off x="2908663" y="398613"/>
+            <a:ext cx="8610600" cy="1293028"/>
+          </a:xfrm>
+        </p:spPr>
         <p:txBody>
           <a:bodyPr/>
           <a:lstStyle/>
@@ -8005,25 +7472,35 @@
           </a:p>
         </p:txBody>
       </p:sp>
-      <p:sp>
-        <p:nvSpPr>
-          <p:cNvPr id="3" name="Content Placeholder 2"/>
-          <p:cNvSpPr>
-            <a:spLocks noGrp="1"/>
-          </p:cNvSpPr>
+      <p:pic>
+        <p:nvPicPr>
+          <p:cNvPr id="4" name="Content Placeholder 3"/>
+          <p:cNvPicPr>
+            <a:picLocks noGrp="1" noChangeAspect="1"/>
+          </p:cNvPicPr>
           <p:nvPr>
             <p:ph idx="1"/>
           </p:nvPr>
-        </p:nvSpPr>
-        <p:spPr/>
-        <p:txBody>
-          <a:bodyPr/>
-          <a:lstStyle/>
-          <a:p>
-            <a:endParaRPr lang="en-US" dirty="0"/>
-          </a:p>
-        </p:txBody>
-      </p:sp>
+        </p:nvPicPr>
+        <p:blipFill>
+          <a:blip r:embed="rId2">
+            <a:extLst>
+              <a:ext uri="{28A0092B-C50C-407E-A947-70E740481C1C}">
+                <a14:useLocalDpi xmlns:a14="http://schemas.microsoft.com/office/drawing/2010/main" val="0"/>
+              </a:ext>
+            </a:extLst>
+          </a:blip>
+          <a:stretch>
+            <a:fillRect/>
+          </a:stretch>
+        </p:blipFill>
+        <p:spPr>
+          <a:xfrm>
+            <a:off x="3878574" y="1345474"/>
+            <a:ext cx="3777167" cy="4872764"/>
+          </a:xfrm>
+        </p:spPr>
+      </p:pic>
     </p:spTree>
     <p:extLst>
       <p:ext uri="{BB962C8B-B14F-4D97-AF65-F5344CB8AC3E}">
@@ -8091,15 +7568,21 @@
           <a:bodyPr/>
           <a:lstStyle/>
           <a:p>
+            <a:pPr marL="457200" indent="-457200">
+              <a:buAutoNum type="arabicPeriod"/>
+            </a:pPr>
             <a:r>
               <a:rPr lang="en-US" dirty="0"/>
               <a:t>As an administrator I want to add users( Lecturers, Committee Members) so that they can interact with the system.</a:t>
             </a:r>
           </a:p>
           <a:p>
-            <a:r>
-              <a:rPr lang="en-US" dirty="0"/>
-              <a:t>As an administrator I want to search</a:t>
+            <a:pPr marL="457200" indent="-457200">
+              <a:buAutoNum type="arabicPeriod"/>
+            </a:pPr>
+            <a:r>
+              <a:rPr lang="en-US" dirty="0"/>
+              <a:t>As an administrator I want to search/view</a:t>
             </a:r>
             <a:r>
               <a:rPr lang="en-US" dirty="0">
@@ -8107,30 +7590,20 @@
                   <a:srgbClr val="FF0000"/>
                 </a:solidFill>
               </a:rPr>
-              <a:t>/view </a:t>
-            </a:r>
-            <a:r>
-              <a:rPr lang="en-US" dirty="0"/>
-              <a:t>users( Lecturers, Committee Members) so that I can </a:t>
-            </a:r>
-            <a:r>
-              <a:rPr lang="en-US" strike="sngStrike" dirty="0">
-                <a:solidFill>
-                  <a:srgbClr val="FF0000"/>
-                </a:solidFill>
-              </a:rPr>
-              <a:t>search/view  </a:t>
-            </a:r>
-            <a:r>
-              <a:rPr lang="en-US" dirty="0"/>
-              <a:t>know user details.</a:t>
-            </a:r>
-          </a:p>
-          <a:p>
-            <a:pPr lvl="0"/>
-            <a:r>
-              <a:rPr lang="en-US" dirty="0"/>
-              <a:t>As an administrator I want to </a:t>
+              <a:t> </a:t>
+            </a:r>
+            <a:r>
+              <a:rPr lang="en-US" dirty="0"/>
+              <a:t>users( Lecturers, Committee Members) so that I can search/view user details.</a:t>
+            </a:r>
+          </a:p>
+          <a:p>
+            <a:pPr marL="457200" indent="-457200">
+              <a:buAutoNum type="arabicPeriod"/>
+            </a:pPr>
+            <a:r>
+              <a:rPr lang="en-US" dirty="0"/>
+              <a:t>As an administrator I want to update/ remove users( Lecturers, Committee Members) so that I can update/remove</a:t>
             </a:r>
             <a:r>
               <a:rPr lang="en-US" dirty="0">
@@ -8138,44 +7611,26 @@
                   <a:srgbClr val="FF0000"/>
                 </a:solidFill>
               </a:rPr>
-              <a:t>update/ remove </a:t>
-            </a:r>
-            <a:r>
-              <a:rPr lang="en-US" dirty="0"/>
-              <a:t>users( Lecturers, Committee Members) so that I can </a:t>
-            </a:r>
-            <a:r>
-              <a:rPr lang="en-US" dirty="0">
-                <a:solidFill>
-                  <a:srgbClr val="FF0000"/>
-                </a:solidFill>
-              </a:rPr>
-              <a:t>update/remove </a:t>
-            </a:r>
-            <a:r>
-              <a:rPr lang="en-US" dirty="0"/>
-              <a:t>user details </a:t>
-            </a:r>
-            <a:r>
-              <a:rPr lang="en-US" strike="sngStrike" dirty="0">
-                <a:solidFill>
-                  <a:srgbClr val="FF0000"/>
-                </a:solidFill>
-              </a:rPr>
-              <a:t>and access</a:t>
-            </a:r>
-            <a:r>
-              <a:rPr lang="en-US" dirty="0"/>
-              <a:t>.</a:t>
-            </a:r>
-          </a:p>
-          <a:p>
+              <a:t> </a:t>
+            </a:r>
+            <a:r>
+              <a:rPr lang="en-US" dirty="0"/>
+              <a:t>user details and access.</a:t>
+            </a:r>
+          </a:p>
+          <a:p>
+            <a:pPr marL="457200" indent="-457200">
+              <a:buAutoNum type="arabicPeriod"/>
+            </a:pPr>
             <a:r>
               <a:rPr lang="en-US" dirty="0"/>
               <a:t>As an administrator I want to view all the reported problems and feedbacks so that I can take decisions. </a:t>
             </a:r>
           </a:p>
           <a:p>
+            <a:pPr marL="457200" indent="-457200">
+              <a:buAutoNum type="arabicPeriod"/>
+            </a:pPr>
             <a:r>
               <a:rPr lang="en-US" dirty="0"/>
               <a:t>As an administrator I want to send emails to users regarding problems and feedbacks so that I can inform users.</a:t>
@@ -8266,156 +7721,57 @@
           </a:bodyPr>
           <a:lstStyle/>
           <a:p>
-            <a:pPr lvl="0"/>
-            <a:r>
-              <a:rPr lang="en-US" dirty="0"/>
-              <a:t>As a </a:t>
-            </a:r>
-            <a:r>
-              <a:rPr lang="en-US" dirty="0">
-                <a:solidFill>
-                  <a:srgbClr val="FF0000"/>
-                </a:solidFill>
-              </a:rPr>
-              <a:t>l</a:t>
-            </a:r>
-            <a:r>
-              <a:rPr lang="en-US" dirty="0"/>
-              <a:t>ecturer I want to create a main competition so that I can inform users about competition and to add events under competition.</a:t>
-            </a:r>
-          </a:p>
-          <a:p>
-            <a:r>
-              <a:rPr lang="en-US" dirty="0"/>
-              <a:t>As a </a:t>
-            </a:r>
-            <a:r>
-              <a:rPr lang="en-US" dirty="0">
-                <a:solidFill>
-                  <a:srgbClr val="FF0000"/>
-                </a:solidFill>
-              </a:rPr>
-              <a:t>l</a:t>
-            </a:r>
-            <a:r>
-              <a:rPr lang="en-US" dirty="0"/>
-              <a:t>ecturer I want to search a main competition so that I can view details about competition.</a:t>
-            </a:r>
-          </a:p>
-          <a:p>
-            <a:r>
-              <a:rPr lang="en-US" dirty="0"/>
-              <a:t>As a </a:t>
-            </a:r>
-            <a:r>
-              <a:rPr lang="en-US" dirty="0">
-                <a:solidFill>
-                  <a:srgbClr val="FF0000"/>
-                </a:solidFill>
-              </a:rPr>
-              <a:t>l</a:t>
-            </a:r>
-            <a:r>
-              <a:rPr lang="en-US" dirty="0"/>
-              <a:t>ecturer I want to </a:t>
-            </a:r>
-            <a:r>
-              <a:rPr lang="en-US" dirty="0">
-                <a:solidFill>
-                  <a:srgbClr val="FF0000"/>
-                </a:solidFill>
-              </a:rPr>
-              <a:t>u</a:t>
-            </a:r>
-            <a:r>
-              <a:rPr lang="en-US" dirty="0"/>
-              <a:t>pdate/delete a main competition so that I can update/remove competition details and users can view the change(All the events under that specific competition will </a:t>
-            </a:r>
-            <a:r>
-              <a:rPr lang="en-US"/>
-              <a:t>be updated</a:t>
-            </a:r>
-            <a:r>
-              <a:rPr lang="en-US" dirty="0"/>
-              <a:t>/removed).</a:t>
-            </a:r>
-          </a:p>
-          <a:p>
-            <a:r>
-              <a:rPr lang="en-US" dirty="0"/>
-              <a:t>As a </a:t>
-            </a:r>
-            <a:r>
-              <a:rPr lang="en-US" dirty="0">
-                <a:solidFill>
-                  <a:srgbClr val="FF0000"/>
-                </a:solidFill>
-              </a:rPr>
-              <a:t>l</a:t>
-            </a:r>
-            <a:r>
-              <a:rPr lang="en-US" dirty="0"/>
-              <a:t>ecturer I want to create an event under a specific competition so that I can inform users about specific event.</a:t>
-            </a:r>
-          </a:p>
-          <a:p>
-            <a:r>
-              <a:rPr lang="en-US" dirty="0"/>
-              <a:t>As a </a:t>
-            </a:r>
-            <a:r>
-              <a:rPr lang="en-US" dirty="0">
-                <a:solidFill>
-                  <a:srgbClr val="FF0000"/>
-                </a:solidFill>
-              </a:rPr>
-              <a:t>l</a:t>
-            </a:r>
-            <a:r>
-              <a:rPr lang="en-US" dirty="0"/>
-              <a:t>ecturer I want to search an event so that I can </a:t>
-            </a:r>
-            <a:r>
-              <a:rPr lang="en-US" dirty="0">
-                <a:solidFill>
-                  <a:srgbClr val="FF0000"/>
-                </a:solidFill>
-              </a:rPr>
-              <a:t>know</a:t>
-            </a:r>
-            <a:r>
-              <a:rPr lang="en-US" dirty="0"/>
-              <a:t> details about specific event.</a:t>
-            </a:r>
-          </a:p>
-          <a:p>
-            <a:r>
-              <a:rPr lang="en-US" dirty="0"/>
-              <a:t>As a </a:t>
-            </a:r>
-            <a:r>
-              <a:rPr lang="en-US" dirty="0">
-                <a:solidFill>
-                  <a:srgbClr val="FF0000"/>
-                </a:solidFill>
-              </a:rPr>
-              <a:t>l</a:t>
-            </a:r>
-            <a:r>
-              <a:rPr lang="en-US" dirty="0"/>
-              <a:t>ecturer I want to </a:t>
-            </a:r>
-            <a:r>
-              <a:rPr lang="en-US" dirty="0">
-                <a:solidFill>
-                  <a:srgbClr val="FF0000"/>
-                </a:solidFill>
-              </a:rPr>
-              <a:t>u</a:t>
-            </a:r>
-            <a:r>
-              <a:rPr lang="en-US" dirty="0"/>
-              <a:t>pdate/delete an event so that I can update/remove event details.</a:t>
+            <a:pPr marL="457200" lvl="0" indent="-457200">
+              <a:buAutoNum type="arabicPeriod" startAt="6"/>
+            </a:pPr>
+            <a:r>
+              <a:rPr lang="en-US" dirty="0"/>
+              <a:t>As a lecturer I want to create a main competition so that I can inform users about competition and to add events under competition.</a:t>
+            </a:r>
+          </a:p>
+          <a:p>
+            <a:pPr marL="457200" lvl="0" indent="-457200">
+              <a:buAutoNum type="arabicPeriod" startAt="7"/>
+            </a:pPr>
+            <a:r>
+              <a:rPr lang="en-US" dirty="0"/>
+              <a:t>As a lecturer I want to search a main competition so that I can view details about competition.</a:t>
+            </a:r>
+          </a:p>
+          <a:p>
+            <a:pPr marL="457200" lvl="0" indent="-457200">
+              <a:buAutoNum type="arabicPeriod" startAt="7"/>
+            </a:pPr>
+            <a:r>
+              <a:rPr lang="en-US" dirty="0"/>
+              <a:t>As a lecturer I want to update/delete a main competition so that I can update/remove competition details and users can view the change(All the events under that specific competition will be updated/removed).</a:t>
+            </a:r>
+          </a:p>
+          <a:p>
+            <a:pPr marL="457200" lvl="0" indent="-457200">
+              <a:buAutoNum type="arabicPeriod" startAt="7"/>
+            </a:pPr>
+            <a:r>
+              <a:rPr lang="en-US" dirty="0"/>
+              <a:t>As a lecturer I want to create an event under a specific competition so that I can inform users about specific event.</a:t>
+            </a:r>
+          </a:p>
+          <a:p>
+            <a:pPr marL="457200" lvl="0" indent="-457200">
+              <a:buAutoNum type="arabicPeriod" startAt="7"/>
+            </a:pPr>
+            <a:r>
+              <a:rPr lang="en-US" dirty="0"/>
+              <a:t>As a lecturer I want to search an event so that I can view details about specific event.</a:t>
+            </a:r>
+          </a:p>
+          <a:p>
+            <a:pPr marL="457200" lvl="0" indent="-457200">
+              <a:buAutoNum type="arabicPeriod" startAt="7"/>
+            </a:pPr>
+            <a:r>
+              <a:rPr lang="en-US" dirty="0"/>
+              <a:t>As a lecturer I want to update/delete an event so that I can update/remove event details.</a:t>
             </a:r>
           </a:p>
           <a:p>
@@ -8529,141 +7885,66 @@
           </a:bodyPr>
           <a:lstStyle/>
           <a:p>
-            <a:r>
-              <a:rPr lang="en-US" dirty="0"/>
-              <a:t>As a </a:t>
-            </a:r>
-            <a:r>
-              <a:rPr lang="en-US" dirty="0">
-                <a:solidFill>
-                  <a:srgbClr val="FF0000"/>
-                </a:solidFill>
-              </a:rPr>
-              <a:t>l</a:t>
-            </a:r>
-            <a:r>
-              <a:rPr lang="en-US" dirty="0"/>
-              <a:t>ecturer I want to create a workshop under a specific competition so that I can inform users about specific workshop.</a:t>
-            </a:r>
-          </a:p>
-          <a:p>
-            <a:r>
-              <a:rPr lang="en-US" dirty="0"/>
-              <a:t>As a </a:t>
-            </a:r>
-            <a:r>
-              <a:rPr lang="en-US" dirty="0">
-                <a:solidFill>
-                  <a:srgbClr val="FF0000"/>
-                </a:solidFill>
-              </a:rPr>
-              <a:t>l</a:t>
-            </a:r>
-            <a:r>
-              <a:rPr lang="en-US" dirty="0"/>
-              <a:t>ecturer I want to search a workshop under a specific competition so that I can view details about specific workshop.</a:t>
-            </a:r>
-          </a:p>
-          <a:p>
-            <a:r>
-              <a:rPr lang="en-US" dirty="0"/>
-              <a:t>As a </a:t>
-            </a:r>
-            <a:r>
-              <a:rPr lang="en-US" dirty="0">
-                <a:solidFill>
-                  <a:srgbClr val="FF0000"/>
-                </a:solidFill>
-              </a:rPr>
-              <a:t>l</a:t>
-            </a:r>
-            <a:r>
-              <a:rPr lang="en-US" dirty="0"/>
-              <a:t>ecturer I want to </a:t>
-            </a:r>
-            <a:r>
-              <a:rPr lang="en-US" dirty="0">
-                <a:solidFill>
-                  <a:srgbClr val="FF0000"/>
-                </a:solidFill>
-              </a:rPr>
-              <a:t>u</a:t>
-            </a:r>
-            <a:r>
-              <a:rPr lang="en-US" dirty="0"/>
-              <a:t>pdate/delete a workshop so that I can update/remove workshop details and users can view the change.</a:t>
-            </a:r>
-          </a:p>
-          <a:p>
-            <a:r>
-              <a:rPr lang="en-US" dirty="0"/>
-              <a:t>As a </a:t>
-            </a:r>
-            <a:r>
-              <a:rPr lang="en-US" dirty="0">
-                <a:solidFill>
-                  <a:srgbClr val="FF0000"/>
-                </a:solidFill>
-              </a:rPr>
-              <a:t>l</a:t>
-            </a:r>
-            <a:r>
-              <a:rPr lang="en-US" dirty="0"/>
-              <a:t>ecturer I want to create budget for a competition so that I can inform users about budget allocation.</a:t>
-            </a:r>
-          </a:p>
-          <a:p>
-            <a:r>
-              <a:rPr lang="en-US" dirty="0"/>
-              <a:t>As a </a:t>
-            </a:r>
-            <a:r>
-              <a:rPr lang="en-US" dirty="0">
-                <a:solidFill>
-                  <a:srgbClr val="FF0000"/>
-                </a:solidFill>
-              </a:rPr>
-              <a:t>l</a:t>
-            </a:r>
-            <a:r>
-              <a:rPr lang="en-US" dirty="0"/>
-              <a:t>ecturer I want to allocate/create budget for a specific event/workshop so that I can inform users about budget allocation for specific event/workshop.</a:t>
-            </a:r>
-          </a:p>
-          <a:p>
-            <a:r>
-              <a:rPr lang="en-US" dirty="0"/>
-              <a:t>As a </a:t>
-            </a:r>
-            <a:r>
-              <a:rPr lang="en-US" dirty="0">
-                <a:solidFill>
-                  <a:srgbClr val="FF0000"/>
-                </a:solidFill>
-              </a:rPr>
-              <a:t>l</a:t>
-            </a:r>
-            <a:r>
-              <a:rPr lang="en-US" dirty="0"/>
-              <a:t>ecturer I want to search budget for a specific competition so that I can view budget details about specific competition.</a:t>
-            </a:r>
-          </a:p>
-          <a:p>
-            <a:r>
-              <a:rPr lang="en-US" dirty="0"/>
-              <a:t>As a </a:t>
-            </a:r>
-            <a:r>
-              <a:rPr lang="en-US" dirty="0">
-                <a:solidFill>
-                  <a:srgbClr val="FF0000"/>
-                </a:solidFill>
-              </a:rPr>
-              <a:t>l</a:t>
-            </a:r>
-            <a:r>
-              <a:rPr lang="en-US" dirty="0"/>
-              <a:t>ecturer I want to search budget for a specific event/workshop so that I can view budget details about specific event/workshop.</a:t>
+            <a:pPr marL="457200" indent="-457200">
+              <a:buAutoNum type="arabicPeriod" startAt="12"/>
+            </a:pPr>
+            <a:r>
+              <a:rPr lang="en-US" dirty="0"/>
+              <a:t>As a lecturer I want to create a workshop under a specific competition so that I can inform users about specific workshop.</a:t>
+            </a:r>
+          </a:p>
+          <a:p>
+            <a:pPr marL="457200" indent="-457200">
+              <a:buAutoNum type="arabicPeriod" startAt="12"/>
+            </a:pPr>
+            <a:r>
+              <a:rPr lang="en-US" dirty="0"/>
+              <a:t>As a lecturer I want to search a workshop under a specific competition so that I can view details about specific workshop.</a:t>
+            </a:r>
+          </a:p>
+          <a:p>
+            <a:pPr marL="457200" indent="-457200">
+              <a:buAutoNum type="arabicPeriod" startAt="12"/>
+            </a:pPr>
+            <a:r>
+              <a:rPr lang="en-US" dirty="0"/>
+              <a:t>As a lecturer I want to update/delete a workshop so that I can update/remove workshop details and users can view the change.</a:t>
+            </a:r>
+          </a:p>
+          <a:p>
+            <a:pPr marL="457200" indent="-457200">
+              <a:buAutoNum type="arabicPeriod" startAt="12"/>
+            </a:pPr>
+            <a:r>
+              <a:rPr lang="en-US" dirty="0"/>
+              <a:t>As a lecturer I want to create budget for a competition so that I can inform users about budget allocation.</a:t>
+            </a:r>
+          </a:p>
+          <a:p>
+            <a:pPr marL="457200" indent="-457200">
+              <a:buAutoNum type="arabicPeriod" startAt="12"/>
+            </a:pPr>
+            <a:r>
+              <a:rPr lang="en-US" dirty="0"/>
+              <a:t>As a lecturer I want to allocate/create budget for a specific event/workshop so that I can inform users about budget allocation for specific event/workshop.</a:t>
+            </a:r>
+          </a:p>
+          <a:p>
+            <a:pPr marL="457200" indent="-457200">
+              <a:buAutoNum type="arabicPeriod" startAt="12"/>
+            </a:pPr>
+            <a:r>
+              <a:rPr lang="en-US" dirty="0"/>
+              <a:t>As a lecturer I want to search budget for a specific competition so that I can view budget details about specific competition.</a:t>
+            </a:r>
+          </a:p>
+          <a:p>
+            <a:pPr marL="457200" indent="-457200">
+              <a:buAutoNum type="arabicPeriod" startAt="12"/>
+            </a:pPr>
+            <a:r>
+              <a:rPr lang="en-US" dirty="0"/>
+              <a:t>As a lecturer I want to search budget for a specific event/workshop so that I can view budget details about specific event/workshop.</a:t>
             </a:r>
           </a:p>
           <a:p>

--- a/CodeFest-Management-Tool.pptx
+++ b/CodeFest-Management-Tool.pptx
@@ -299,7 +299,7 @@
           <a:p>
             <a:fld id="{48A87A34-81AB-432B-8DAE-1953F412C126}" type="datetimeFigureOut">
               <a:rPr lang="en-US" dirty="0"/>
-              <a:t>9/15/2017</a:t>
+              <a:t>9/16/2017</a:t>
             </a:fld>
             <a:endParaRPr lang="en-US" dirty="0"/>
           </a:p>
@@ -561,7 +561,7 @@
           <a:p>
             <a:fld id="{48A87A34-81AB-432B-8DAE-1953F412C126}" type="datetimeFigureOut">
               <a:rPr lang="en-US" dirty="0"/>
-              <a:t>9/15/2017</a:t>
+              <a:t>9/16/2017</a:t>
             </a:fld>
             <a:endParaRPr lang="en-US" dirty="0"/>
           </a:p>
@@ -788,7 +788,7 @@
             <a:fld id="{48A87A34-81AB-432B-8DAE-1953F412C126}" type="datetimeFigureOut">
               <a:rPr lang="en-US" dirty="0"/>
               <a:pPr/>
-              <a:t>9/15/2017</a:t>
+              <a:t>9/16/2017</a:t>
             </a:fld>
             <a:endParaRPr lang="en-US" dirty="0"/>
           </a:p>
@@ -1094,7 +1094,7 @@
             <a:fld id="{48A87A34-81AB-432B-8DAE-1953F412C126}" type="datetimeFigureOut">
               <a:rPr lang="en-US" dirty="0"/>
               <a:pPr/>
-              <a:t>9/15/2017</a:t>
+              <a:t>9/16/2017</a:t>
             </a:fld>
             <a:endParaRPr lang="en-US" dirty="0"/>
           </a:p>
@@ -1563,7 +1563,7 @@
             <a:fld id="{48A87A34-81AB-432B-8DAE-1953F412C126}" type="datetimeFigureOut">
               <a:rPr lang="en-US" dirty="0"/>
               <a:pPr/>
-              <a:t>9/15/2017</a:t>
+              <a:t>9/16/2017</a:t>
             </a:fld>
             <a:endParaRPr lang="en-US" dirty="0"/>
           </a:p>
@@ -2105,7 +2105,7 @@
           <a:p>
             <a:fld id="{48A87A34-81AB-432B-8DAE-1953F412C126}" type="datetimeFigureOut">
               <a:rPr lang="en-US" dirty="0"/>
-              <a:t>9/15/2017</a:t>
+              <a:t>9/16/2017</a:t>
             </a:fld>
             <a:endParaRPr lang="en-US" dirty="0"/>
           </a:p>
@@ -2874,7 +2874,7 @@
           <a:p>
             <a:fld id="{48A87A34-81AB-432B-8DAE-1953F412C126}" type="datetimeFigureOut">
               <a:rPr lang="en-US" dirty="0"/>
-              <a:t>9/15/2017</a:t>
+              <a:t>9/16/2017</a:t>
             </a:fld>
             <a:endParaRPr lang="en-US" dirty="0"/>
           </a:p>
@@ -3044,7 +3044,7 @@
           <a:p>
             <a:fld id="{48A87A34-81AB-432B-8DAE-1953F412C126}" type="datetimeFigureOut">
               <a:rPr lang="en-US" dirty="0"/>
-              <a:t>9/15/2017</a:t>
+              <a:t>9/16/2017</a:t>
             </a:fld>
             <a:endParaRPr lang="en-US" dirty="0"/>
           </a:p>
@@ -3263,7 +3263,7 @@
             <a:fld id="{48A87A34-81AB-432B-8DAE-1953F412C126}" type="datetimeFigureOut">
               <a:rPr lang="en-US" dirty="0"/>
               <a:pPr/>
-              <a:t>9/15/2017</a:t>
+              <a:t>9/16/2017</a:t>
             </a:fld>
             <a:endParaRPr lang="en-US" dirty="0"/>
           </a:p>
@@ -3438,7 +3438,7 @@
           <a:p>
             <a:fld id="{48A87A34-81AB-432B-8DAE-1953F412C126}" type="datetimeFigureOut">
               <a:rPr lang="en-US" dirty="0"/>
-              <a:t>9/15/2017</a:t>
+              <a:t>9/16/2017</a:t>
             </a:fld>
             <a:endParaRPr lang="en-US" dirty="0"/>
           </a:p>
@@ -3723,7 +3723,7 @@
             <a:fld id="{48A87A34-81AB-432B-8DAE-1953F412C126}" type="datetimeFigureOut">
               <a:rPr lang="en-US" dirty="0"/>
               <a:pPr/>
-              <a:t>9/15/2017</a:t>
+              <a:t>9/16/2017</a:t>
             </a:fld>
             <a:endParaRPr lang="en-US" dirty="0"/>
           </a:p>
@@ -3960,7 +3960,7 @@
           <a:p>
             <a:fld id="{48A87A34-81AB-432B-8DAE-1953F412C126}" type="datetimeFigureOut">
               <a:rPr lang="en-US" dirty="0"/>
-              <a:t>9/15/2017</a:t>
+              <a:t>9/16/2017</a:t>
             </a:fld>
             <a:endParaRPr lang="en-US" dirty="0"/>
           </a:p>
@@ -4334,7 +4334,7 @@
           <a:p>
             <a:fld id="{48A87A34-81AB-432B-8DAE-1953F412C126}" type="datetimeFigureOut">
               <a:rPr lang="en-US" dirty="0"/>
-              <a:t>9/15/2017</a:t>
+              <a:t>9/16/2017</a:t>
             </a:fld>
             <a:endParaRPr lang="en-US" dirty="0"/>
           </a:p>
@@ -4447,7 +4447,7 @@
           <a:p>
             <a:fld id="{48A87A34-81AB-432B-8DAE-1953F412C126}" type="datetimeFigureOut">
               <a:rPr lang="en-US" dirty="0"/>
-              <a:t>9/15/2017</a:t>
+              <a:t>9/16/2017</a:t>
             </a:fld>
             <a:endParaRPr lang="en-US" dirty="0"/>
           </a:p>
@@ -4537,7 +4537,7 @@
           <a:p>
             <a:fld id="{48A87A34-81AB-432B-8DAE-1953F412C126}" type="datetimeFigureOut">
               <a:rPr lang="en-US" dirty="0"/>
-              <a:t>9/15/2017</a:t>
+              <a:t>9/16/2017</a:t>
             </a:fld>
             <a:endParaRPr lang="en-US" dirty="0"/>
           </a:p>
@@ -4781,7 +4781,7 @@
           <a:p>
             <a:fld id="{48A87A34-81AB-432B-8DAE-1953F412C126}" type="datetimeFigureOut">
               <a:rPr lang="en-US" dirty="0"/>
-              <a:t>9/15/2017</a:t>
+              <a:t>9/16/2017</a:t>
             </a:fld>
             <a:endParaRPr lang="en-US" dirty="0"/>
           </a:p>
@@ -5033,7 +5033,7 @@
           <a:p>
             <a:fld id="{48A87A34-81AB-432B-8DAE-1953F412C126}" type="datetimeFigureOut">
               <a:rPr lang="en-US" dirty="0"/>
-              <a:t>9/15/2017</a:t>
+              <a:t>9/16/2017</a:t>
             </a:fld>
             <a:endParaRPr lang="en-US" dirty="0"/>
           </a:p>
@@ -5272,7 +5272,7 @@
             <a:fld id="{48A87A34-81AB-432B-8DAE-1953F412C126}" type="datetimeFigureOut">
               <a:rPr lang="en-US" dirty="0"/>
               <a:pPr/>
-              <a:t>9/15/2017</a:t>
+              <a:t>9/16/2017</a:t>
             </a:fld>
             <a:endParaRPr lang="en-US" dirty="0"/>
           </a:p>
@@ -5691,23 +5691,23 @@
         </p:nvSpPr>
         <p:spPr>
           <a:xfrm>
-            <a:off x="757646" y="1658983"/>
+            <a:off x="757646" y="1943072"/>
             <a:ext cx="11077301" cy="989803"/>
           </a:xfrm>
         </p:spPr>
         <p:txBody>
           <a:bodyPr>
-            <a:normAutofit fontScale="90000"/>
+            <a:noAutofit/>
           </a:bodyPr>
           <a:lstStyle/>
           <a:p>
             <a:r>
-              <a:rPr lang="en-US" dirty="0" err="1"/>
+              <a:rPr lang="en-US" sz="4800" dirty="0" err="1"/>
               <a:t>CodeFest</a:t>
             </a:r>
             <a:r>
-              <a:rPr lang="en-US" dirty="0"/>
-              <a:t> Management Tool</a:t>
+              <a:rPr lang="en-US" sz="4800" dirty="0"/>
+              <a:t> Management System</a:t>
             </a:r>
           </a:p>
         </p:txBody>
@@ -5724,7 +5724,7 @@
         </p:nvSpPr>
         <p:spPr>
           <a:xfrm>
-            <a:off x="757646" y="2926807"/>
+            <a:off x="757646" y="3415079"/>
             <a:ext cx="9448800" cy="685800"/>
           </a:xfrm>
         </p:spPr>
@@ -5734,7 +5734,7 @@
           <a:p>
             <a:r>
               <a:rPr lang="en-US" dirty="0"/>
-              <a:t>CSSE-SE3070- Assignment 1- Case Study Topic Finalization</a:t>
+              <a:t>CSSE-SE3070- Case Study Topic Finalization</a:t>
             </a:r>
           </a:p>
         </p:txBody>
@@ -5749,7 +5749,7 @@
         </p:nvSpPr>
         <p:spPr>
           <a:xfrm>
-            <a:off x="757646" y="3547728"/>
+            <a:off x="757646" y="4036000"/>
             <a:ext cx="9448800" cy="685800"/>
           </a:xfrm>
           <a:prstGeom prst="rect">
@@ -5927,7 +5927,7 @@
           <a:p>
             <a:r>
               <a:rPr lang="en-US" dirty="0"/>
-              <a:t>Group 13</a:t>
+              <a:t>Group No: CSSE-13</a:t>
             </a:r>
           </a:p>
         </p:txBody>
@@ -6327,7 +6327,7 @@
         </p:nvSpPr>
         <p:spPr>
           <a:xfrm>
-            <a:off x="685800" y="2194560"/>
+            <a:off x="685800" y="1750673"/>
             <a:ext cx="10820400" cy="4480560"/>
           </a:xfrm>
         </p:spPr>
@@ -6351,7 +6351,7 @@
             </a:pPr>
             <a:r>
               <a:rPr lang="en-US" dirty="0"/>
-              <a:t>As a lecturer, I want to add/edit a theme for the site so that I can update the theme according to the year.</a:t>
+              <a:t>As a lecturer I want to add/edit a theme for the site so that I can update the theme according to the year.</a:t>
             </a:r>
           </a:p>
           <a:p>
@@ -6359,12 +6359,8 @@
               <a:buAutoNum type="arabicPeriod" startAt="33"/>
             </a:pPr>
             <a:r>
-              <a:rPr lang="en-US"/>
-              <a:t>As a </a:t>
-            </a:r>
-            <a:r>
-              <a:rPr lang="en-US" dirty="0"/>
-              <a:t>lecturer, I want to delete the theme from the site so that I can remove the theme when there is not any specific theme for some years. </a:t>
+              <a:rPr lang="en-US" dirty="0"/>
+              <a:t>As a lecturer I want to delete the theme from the site so that I can remove the theme when there is not any specific theme for some years. </a:t>
             </a:r>
           </a:p>
           <a:p>
@@ -6764,7 +6760,7 @@
             <p:ph idx="1"/>
             <p:extLst>
               <p:ext uri="{D42A27DB-BD31-4B8C-83A1-F6EECF244321}">
-                <p14:modId xmlns:p14="http://schemas.microsoft.com/office/powerpoint/2010/main" val="2696407195"/>
+                <p14:modId xmlns:p14="http://schemas.microsoft.com/office/powerpoint/2010/main" val="1536182185"/>
               </p:ext>
             </p:extLst>
           </p:nvPr>
@@ -6889,6 +6885,14 @@
                     <a:bodyPr/>
                     <a:lstStyle/>
                     <a:p>
+                      <a:r>
+                        <a:rPr lang="en-US" dirty="0"/>
+                        <a:t>A.P.I.R </a:t>
+                      </a:r>
+                      <a:r>
+                        <a:rPr lang="en-US" dirty="0" err="1"/>
+                        <a:t>Jayathilaka</a:t>
+                      </a:r>
                       <a:endParaRPr lang="en-US" dirty="0"/>
                     </a:p>
                   </a:txBody>
@@ -6899,7 +6903,10 @@
                     <a:bodyPr/>
                     <a:lstStyle/>
                     <a:p>
-                      <a:endParaRPr lang="en-US"/>
+                      <a:r>
+                        <a:rPr lang="en-US" dirty="0"/>
+                        <a:t>IT15068774</a:t>
+                      </a:r>
                     </a:p>
                   </a:txBody>
                   <a:tcPr/>
@@ -6909,7 +6916,10 @@
                     <a:bodyPr/>
                     <a:lstStyle/>
                     <a:p>
-                      <a:endParaRPr lang="en-US"/>
+                      <a:r>
+                        <a:rPr lang="en-US" dirty="0"/>
+                        <a:t>isuruj.94@gmail.com</a:t>
+                      </a:r>
                     </a:p>
                   </a:txBody>
                   <a:tcPr/>
@@ -7061,7 +7071,15 @@
                     <a:bodyPr/>
                     <a:lstStyle/>
                     <a:p>
-                      <a:endParaRPr lang="en-US"/>
+                      <a:r>
+                        <a:rPr lang="en-US" dirty="0"/>
+                        <a:t>D.A </a:t>
+                      </a:r>
+                      <a:r>
+                        <a:rPr lang="en-US" dirty="0" err="1"/>
+                        <a:t>Polawattage</a:t>
+                      </a:r>
+                      <a:endParaRPr lang="en-US" dirty="0"/>
                     </a:p>
                   </a:txBody>
                   <a:tcPr/>
@@ -7071,7 +7089,10 @@
                     <a:bodyPr/>
                     <a:lstStyle/>
                     <a:p>
-                      <a:endParaRPr lang="en-US"/>
+                      <a:r>
+                        <a:rPr lang="en-US" dirty="0"/>
+                        <a:t>IT14084614</a:t>
+                      </a:r>
                     </a:p>
                   </a:txBody>
                   <a:tcPr/>
@@ -7081,7 +7102,10 @@
                     <a:bodyPr/>
                     <a:lstStyle/>
                     <a:p>
-                      <a:endParaRPr lang="en-US" dirty="0"/>
+                      <a:r>
+                        <a:rPr lang="en-US" dirty="0"/>
+                        <a:t>dasunianupama@gmail.com</a:t>
+                      </a:r>
                     </a:p>
                   </a:txBody>
                   <a:tcPr/>
@@ -7274,15 +7298,7 @@
           <a:p>
             <a:r>
               <a:rPr lang="en-US" dirty="0"/>
-              <a:t>Only lecturers can send mails to participants, create events, workshops, manage budget, recruit students to organizing committee and can maintain event round wise results(Ex: preliminary </a:t>
-            </a:r>
-            <a:r>
-              <a:rPr lang="en-US" dirty="0" err="1"/>
-              <a:t>round,final</a:t>
-            </a:r>
-            <a:r>
-              <a:rPr lang="en-US" dirty="0"/>
-              <a:t> round). </a:t>
+              <a:t>Only lecturers can send mails to participants, create events, workshops, manage budget, recruit students to organizing committee and can maintain event round wise results(Ex: preliminary round, final round). </a:t>
             </a:r>
           </a:p>
           <a:p>
